--- a/Proposal Defense Presentation.pptx
+++ b/Proposal Defense Presentation.pptx
@@ -9,11 +9,21 @@
     <p:sldId id="257" r:id="rId3"/>
     <p:sldId id="265" r:id="rId4"/>
     <p:sldId id="259" r:id="rId5"/>
-    <p:sldId id="260" r:id="rId6"/>
-    <p:sldId id="261" r:id="rId7"/>
+    <p:sldId id="261" r:id="rId6"/>
+    <p:sldId id="260" r:id="rId7"/>
     <p:sldId id="262" r:id="rId8"/>
-    <p:sldId id="263" r:id="rId9"/>
-    <p:sldId id="264" r:id="rId10"/>
+    <p:sldId id="266" r:id="rId9"/>
+    <p:sldId id="269" r:id="rId10"/>
+    <p:sldId id="263" r:id="rId11"/>
+    <p:sldId id="268" r:id="rId12"/>
+    <p:sldId id="270" r:id="rId13"/>
+    <p:sldId id="274" r:id="rId14"/>
+    <p:sldId id="272" r:id="rId15"/>
+    <p:sldId id="271" r:id="rId16"/>
+    <p:sldId id="276" r:id="rId17"/>
+    <p:sldId id="277" r:id="rId18"/>
+    <p:sldId id="273" r:id="rId19"/>
+    <p:sldId id="267" r:id="rId20"/>
   </p:sldIdLst>
   <p:sldSz cx="12192000" cy="6858000"/>
   <p:notesSz cx="6858000" cy="9144000"/>
@@ -290,7 +300,7 @@
           <a:p>
             <a:fld id="{48A87A34-81AB-432B-8DAE-1953F412C126}" type="datetimeFigureOut">
               <a:rPr lang="en-US" dirty="0"/>
-              <a:t>7/26/2023</a:t>
+              <a:t>8/9/2023</a:t>
             </a:fld>
             <a:endParaRPr lang="en-US" dirty="0"/>
           </a:p>
@@ -463,7 +473,7 @@
           </a:lstStyle>
           <a:p>
             <a:r>
-              <a:rPr lang="en-US" smtClean="0"/>
+              <a:rPr lang="en-US" dirty="0" smtClean="0"/>
               <a:t>Click icon to add picture</a:t>
             </a:r>
             <a:endParaRPr lang="en-US" dirty="0"/>
@@ -552,7 +562,7 @@
           <a:p>
             <a:fld id="{48A87A34-81AB-432B-8DAE-1953F412C126}" type="datetimeFigureOut">
               <a:rPr lang="en-US" dirty="0"/>
-              <a:t>7/26/2023</a:t>
+              <a:t>8/9/2023</a:t>
             </a:fld>
             <a:endParaRPr lang="en-US" dirty="0"/>
           </a:p>
@@ -779,7 +789,7 @@
             <a:fld id="{48A87A34-81AB-432B-8DAE-1953F412C126}" type="datetimeFigureOut">
               <a:rPr lang="en-US" dirty="0"/>
               <a:pPr/>
-              <a:t>7/26/2023</a:t>
+              <a:t>8/9/2023</a:t>
             </a:fld>
             <a:endParaRPr lang="en-US" dirty="0"/>
           </a:p>
@@ -1085,7 +1095,7 @@
             <a:fld id="{48A87A34-81AB-432B-8DAE-1953F412C126}" type="datetimeFigureOut">
               <a:rPr lang="en-US" dirty="0"/>
               <a:pPr/>
-              <a:t>7/26/2023</a:t>
+              <a:t>8/9/2023</a:t>
             </a:fld>
             <a:endParaRPr lang="en-US" dirty="0"/>
           </a:p>
@@ -1554,7 +1564,7 @@
             <a:fld id="{48A87A34-81AB-432B-8DAE-1953F412C126}" type="datetimeFigureOut">
               <a:rPr lang="en-US" dirty="0"/>
               <a:pPr/>
-              <a:t>7/26/2023</a:t>
+              <a:t>8/9/2023</a:t>
             </a:fld>
             <a:endParaRPr lang="en-US" dirty="0"/>
           </a:p>
@@ -2096,7 +2106,7 @@
           <a:p>
             <a:fld id="{48A87A34-81AB-432B-8DAE-1953F412C126}" type="datetimeFigureOut">
               <a:rPr lang="en-US" dirty="0"/>
-              <a:t>7/26/2023</a:t>
+              <a:t>8/9/2023</a:t>
             </a:fld>
             <a:endParaRPr lang="en-US" dirty="0"/>
           </a:p>
@@ -2340,7 +2350,7 @@
           </a:lstStyle>
           <a:p>
             <a:r>
-              <a:rPr lang="en-US" smtClean="0"/>
+              <a:rPr lang="en-US" dirty="0" smtClean="0"/>
               <a:t>Click icon to add picture</a:t>
             </a:r>
             <a:endParaRPr lang="en-US" dirty="0"/>
@@ -2557,7 +2567,7 @@
           </a:lstStyle>
           <a:p>
             <a:r>
-              <a:rPr lang="en-US" smtClean="0"/>
+              <a:rPr lang="en-US" dirty="0" smtClean="0"/>
               <a:t>Click icon to add picture</a:t>
             </a:r>
             <a:endParaRPr lang="en-US" dirty="0"/>
@@ -2774,7 +2784,7 @@
           </a:lstStyle>
           <a:p>
             <a:r>
-              <a:rPr lang="en-US" smtClean="0"/>
+              <a:rPr lang="en-US" dirty="0" smtClean="0"/>
               <a:t>Click icon to add picture</a:t>
             </a:r>
             <a:endParaRPr lang="en-US" dirty="0"/>
@@ -2865,7 +2875,7 @@
           <a:p>
             <a:fld id="{48A87A34-81AB-432B-8DAE-1953F412C126}" type="datetimeFigureOut">
               <a:rPr lang="en-US" dirty="0"/>
-              <a:t>7/26/2023</a:t>
+              <a:t>8/9/2023</a:t>
             </a:fld>
             <a:endParaRPr lang="en-US" dirty="0"/>
           </a:p>
@@ -3035,7 +3045,7 @@
           <a:p>
             <a:fld id="{48A87A34-81AB-432B-8DAE-1953F412C126}" type="datetimeFigureOut">
               <a:rPr lang="en-US" dirty="0"/>
-              <a:t>7/26/2023</a:t>
+              <a:t>8/9/2023</a:t>
             </a:fld>
             <a:endParaRPr lang="en-US" dirty="0"/>
           </a:p>
@@ -3254,7 +3264,7 @@
             <a:fld id="{48A87A34-81AB-432B-8DAE-1953F412C126}" type="datetimeFigureOut">
               <a:rPr lang="en-US" dirty="0"/>
               <a:pPr/>
-              <a:t>7/26/2023</a:t>
+              <a:t>8/9/2023</a:t>
             </a:fld>
             <a:endParaRPr lang="en-US" dirty="0"/>
           </a:p>
@@ -3429,7 +3439,7 @@
           <a:p>
             <a:fld id="{48A87A34-81AB-432B-8DAE-1953F412C126}" type="datetimeFigureOut">
               <a:rPr lang="en-US" dirty="0"/>
-              <a:t>7/26/2023</a:t>
+              <a:t>8/9/2023</a:t>
             </a:fld>
             <a:endParaRPr lang="en-US" dirty="0"/>
           </a:p>
@@ -3714,7 +3724,7 @@
             <a:fld id="{48A87A34-81AB-432B-8DAE-1953F412C126}" type="datetimeFigureOut">
               <a:rPr lang="en-US" dirty="0"/>
               <a:pPr/>
-              <a:t>7/26/2023</a:t>
+              <a:t>8/9/2023</a:t>
             </a:fld>
             <a:endParaRPr lang="en-US" dirty="0"/>
           </a:p>
@@ -3951,7 +3961,7 @@
           <a:p>
             <a:fld id="{48A87A34-81AB-432B-8DAE-1953F412C126}" type="datetimeFigureOut">
               <a:rPr lang="en-US" dirty="0"/>
-              <a:t>7/26/2023</a:t>
+              <a:t>8/9/2023</a:t>
             </a:fld>
             <a:endParaRPr lang="en-US" dirty="0"/>
           </a:p>
@@ -4325,7 +4335,7 @@
           <a:p>
             <a:fld id="{48A87A34-81AB-432B-8DAE-1953F412C126}" type="datetimeFigureOut">
               <a:rPr lang="en-US" dirty="0"/>
-              <a:t>7/26/2023</a:t>
+              <a:t>8/9/2023</a:t>
             </a:fld>
             <a:endParaRPr lang="en-US" dirty="0"/>
           </a:p>
@@ -4438,7 +4448,7 @@
           <a:p>
             <a:fld id="{48A87A34-81AB-432B-8DAE-1953F412C126}" type="datetimeFigureOut">
               <a:rPr lang="en-US" dirty="0"/>
-              <a:t>7/26/2023</a:t>
+              <a:t>8/9/2023</a:t>
             </a:fld>
             <a:endParaRPr lang="en-US" dirty="0"/>
           </a:p>
@@ -4528,7 +4538,7 @@
           <a:p>
             <a:fld id="{48A87A34-81AB-432B-8DAE-1953F412C126}" type="datetimeFigureOut">
               <a:rPr lang="en-US" dirty="0"/>
-              <a:t>7/26/2023</a:t>
+              <a:t>8/9/2023</a:t>
             </a:fld>
             <a:endParaRPr lang="en-US" dirty="0"/>
           </a:p>
@@ -4772,7 +4782,7 @@
           <a:p>
             <a:fld id="{48A87A34-81AB-432B-8DAE-1953F412C126}" type="datetimeFigureOut">
               <a:rPr lang="en-US" dirty="0"/>
-              <a:t>7/26/2023</a:t>
+              <a:t>8/9/2023</a:t>
             </a:fld>
             <a:endParaRPr lang="en-US" dirty="0"/>
           </a:p>
@@ -4935,7 +4945,7 @@
           </a:lstStyle>
           <a:p>
             <a:r>
-              <a:rPr lang="en-US" smtClean="0"/>
+              <a:rPr lang="en-US" dirty="0" smtClean="0"/>
               <a:t>Click icon to add picture</a:t>
             </a:r>
             <a:endParaRPr lang="en-US" dirty="0"/>
@@ -5024,7 +5034,7 @@
           <a:p>
             <a:fld id="{48A87A34-81AB-432B-8DAE-1953F412C126}" type="datetimeFigureOut">
               <a:rPr lang="en-US" dirty="0"/>
-              <a:t>7/26/2023</a:t>
+              <a:t>8/9/2023</a:t>
             </a:fld>
             <a:endParaRPr lang="en-US" dirty="0"/>
           </a:p>
@@ -5263,7 +5273,7 @@
             <a:fld id="{48A87A34-81AB-432B-8DAE-1953F412C126}" type="datetimeFigureOut">
               <a:rPr lang="en-US" dirty="0"/>
               <a:pPr/>
-              <a:t>7/26/2023</a:t>
+              <a:t>8/9/2023</a:t>
             </a:fld>
             <a:endParaRPr lang="en-US" dirty="0"/>
           </a:p>
@@ -5682,8 +5692,8 @@
         </p:nvSpPr>
         <p:spPr>
           <a:xfrm>
-            <a:off x="1417093" y="1232848"/>
-            <a:ext cx="5861713" cy="1874292"/>
+            <a:off x="1417093" y="1133857"/>
+            <a:ext cx="5861713" cy="2728266"/>
           </a:xfrm>
           <a:noFill/>
           <a:ln w="9525" cap="flat" cmpd="sng" algn="ctr">
@@ -5714,6 +5724,11 @@
           </a:bodyPr>
           <a:lstStyle/>
           <a:p>
+            <a:pPr>
+              <a:lnSpc>
+                <a:spcPct val="150000"/>
+              </a:lnSpc>
+            </a:pPr>
             <a:r>
               <a:rPr lang="en-US" sz="4000" cap="none" dirty="0" smtClean="0">
                 <a:ln w="0"/>
@@ -5740,7 +5755,7 @@
                   <a:reflection blurRad="6350" stA="53000" endA="300" endPos="35500" dir="5400000" sy="-90000" algn="bl" rotWithShape="0"/>
                 </a:effectLst>
               </a:rPr>
-              <a:t>Sentiment Analysis </a:t>
+              <a:t>Sentiment Analysis Of</a:t>
             </a:r>
             <a:br>
               <a:rPr lang="en-US" sz="4000" cap="none" dirty="0" smtClean="0">
@@ -5795,7 +5810,35 @@
                   <a:reflection blurRad="6350" stA="53000" endA="300" endPos="35500" dir="5400000" sy="-90000" algn="bl" rotWithShape="0"/>
                 </a:effectLst>
               </a:rPr>
-              <a:t>of social media texts </a:t>
+              <a:t>Social </a:t>
+            </a:r>
+            <a:r>
+              <a:rPr lang="en-US" sz="4000" cap="none" dirty="0">
+                <a:ln w="0"/>
+                <a:gradFill>
+                  <a:gsLst>
+                    <a:gs pos="0">
+                      <a:schemeClr val="accent5">
+                        <a:lumMod val="50000"/>
+                      </a:schemeClr>
+                    </a:gs>
+                    <a:gs pos="50000">
+                      <a:schemeClr val="accent5"/>
+                    </a:gs>
+                    <a:gs pos="100000">
+                      <a:schemeClr val="accent5">
+                        <a:lumMod val="60000"/>
+                        <a:lumOff val="40000"/>
+                      </a:schemeClr>
+                    </a:gs>
+                  </a:gsLst>
+                  <a:lin ang="5400000"/>
+                </a:gradFill>
+                <a:effectLst>
+                  <a:reflection blurRad="6350" stA="53000" endA="300" endPos="35500" dir="5400000" sy="-90000" algn="bl" rotWithShape="0"/>
+                </a:effectLst>
+              </a:rPr>
+              <a:t>M</a:t>
             </a:r>
             <a:r>
               <a:rPr lang="en-US" sz="4000" cap="none" dirty="0" smtClean="0">
@@ -5823,35 +5866,7 @@
                   <a:reflection blurRad="6350" stA="53000" endA="300" endPos="35500" dir="5400000" sy="-90000" algn="bl" rotWithShape="0"/>
                 </a:effectLst>
               </a:rPr>
-              <a:t>in</a:t>
-            </a:r>
-            <a:r>
-              <a:rPr lang="en-US" sz="4000" cap="none" dirty="0" smtClean="0">
-                <a:ln w="0"/>
-                <a:gradFill>
-                  <a:gsLst>
-                    <a:gs pos="0">
-                      <a:schemeClr val="accent5">
-                        <a:lumMod val="50000"/>
-                      </a:schemeClr>
-                    </a:gs>
-                    <a:gs pos="50000">
-                      <a:schemeClr val="accent5"/>
-                    </a:gs>
-                    <a:gs pos="100000">
-                      <a:schemeClr val="accent5">
-                        <a:lumMod val="60000"/>
-                        <a:lumOff val="40000"/>
-                      </a:schemeClr>
-                    </a:gs>
-                  </a:gsLst>
-                  <a:lin ang="5400000"/>
-                </a:gradFill>
-                <a:effectLst>
-                  <a:reflection blurRad="6350" stA="53000" endA="300" endPos="35500" dir="5400000" sy="-90000" algn="bl" rotWithShape="0"/>
-                </a:effectLst>
-              </a:rPr>
-              <a:t/>
+              <a:t>edia Texts In </a:t>
             </a:r>
             <a:br>
               <a:rPr lang="en-US" sz="4000" cap="none" dirty="0" smtClean="0">
@@ -5906,35 +5921,7 @@
                   <a:reflection blurRad="6350" stA="53000" endA="300" endPos="35500" dir="5400000" sy="-90000" algn="bl" rotWithShape="0"/>
                 </a:effectLst>
               </a:rPr>
-              <a:t>using </a:t>
-            </a:r>
-            <a:r>
-              <a:rPr lang="en-US" sz="4000" cap="none" dirty="0" smtClean="0">
-                <a:ln w="0"/>
-                <a:gradFill>
-                  <a:gsLst>
-                    <a:gs pos="0">
-                      <a:schemeClr val="accent5">
-                        <a:lumMod val="50000"/>
-                      </a:schemeClr>
-                    </a:gs>
-                    <a:gs pos="50000">
-                      <a:schemeClr val="accent5"/>
-                    </a:gs>
-                    <a:gs pos="100000">
-                      <a:schemeClr val="accent5">
-                        <a:lumMod val="60000"/>
-                        <a:lumOff val="40000"/>
-                      </a:schemeClr>
-                    </a:gs>
-                  </a:gsLst>
-                  <a:lin ang="5400000"/>
-                </a:gradFill>
-                <a:effectLst>
-                  <a:reflection blurRad="6350" stA="53000" endA="300" endPos="35500" dir="5400000" sy="-90000" algn="bl" rotWithShape="0"/>
-                </a:effectLst>
-              </a:rPr>
-              <a:t>Transformers</a:t>
+              <a:t>Using Transformers</a:t>
             </a:r>
             <a:endParaRPr lang="en-US" sz="4000" cap="none" dirty="0">
               <a:ln w="0"/>
@@ -5976,7 +5963,7 @@
         </p:nvSpPr>
         <p:spPr>
           <a:xfrm>
-            <a:off x="1476233" y="3814170"/>
+            <a:off x="1417093" y="4228149"/>
             <a:ext cx="9448800" cy="1481162"/>
           </a:xfrm>
         </p:spPr>
@@ -6014,7 +6001,7 @@
         </p:nvSpPr>
         <p:spPr>
           <a:xfrm>
-            <a:off x="7278806" y="1506702"/>
+            <a:off x="6723797" y="1902489"/>
             <a:ext cx="2943367" cy="1600438"/>
           </a:xfrm>
           <a:prstGeom prst="rect">
@@ -6087,6 +6074,2109 @@
     <p:extLst>
       <p:ext uri="{BB962C8B-B14F-4D97-AF65-F5344CB8AC3E}">
         <p14:creationId xmlns:p14="http://schemas.microsoft.com/office/powerpoint/2010/main" val="4263476637"/>
+      </p:ext>
+    </p:extLst>
+  </p:cSld>
+  <p:clrMapOvr>
+    <a:masterClrMapping/>
+  </p:clrMapOvr>
+  <p:timing>
+    <p:tnLst>
+      <p:par>
+        <p:cTn id="1" dur="indefinite" restart="never" nodeType="tmRoot"/>
+      </p:par>
+    </p:tnLst>
+  </p:timing>
+</p:sld>
+</file>
+
+<file path=ppt/slides/slide10.xml><?xml version="1.0" encoding="utf-8"?>
+<p:sld xmlns:a="http://schemas.openxmlformats.org/drawingml/2006/main" xmlns:r="http://schemas.openxmlformats.org/officeDocument/2006/relationships" xmlns:p="http://schemas.openxmlformats.org/presentationml/2006/main">
+  <p:cSld>
+    <p:spTree>
+      <p:nvGrpSpPr>
+        <p:cNvPr id="1" name=""/>
+        <p:cNvGrpSpPr/>
+        <p:nvPr/>
+      </p:nvGrpSpPr>
+      <p:grpSpPr>
+        <a:xfrm>
+          <a:off x="0" y="0"/>
+          <a:ext cx="0" cy="0"/>
+          <a:chOff x="0" y="0"/>
+          <a:chExt cx="0" cy="0"/>
+        </a:xfrm>
+      </p:grpSpPr>
+      <p:sp>
+        <p:nvSpPr>
+          <p:cNvPr id="2" name="Title 1"/>
+          <p:cNvSpPr>
+            <a:spLocks noGrp="1"/>
+          </p:cNvSpPr>
+          <p:nvPr>
+            <p:ph type="title"/>
+          </p:nvPr>
+        </p:nvSpPr>
+        <p:spPr>
+          <a:xfrm>
+            <a:off x="3125187" y="41041"/>
+            <a:ext cx="8610600" cy="1293028"/>
+          </a:xfrm>
+          <a:ln>
+            <a:noFill/>
+          </a:ln>
+          <a:effectLst/>
+          <a:scene3d>
+            <a:camera prst="orthographicFront">
+              <a:rot lat="0" lon="0" rev="0"/>
+            </a:camera>
+            <a:lightRig rig="chilly" dir="t">
+              <a:rot lat="0" lon="0" rev="18480000"/>
+            </a:lightRig>
+          </a:scene3d>
+          <a:sp3d prstMaterial="clear">
+            <a:bevelT h="63500"/>
+          </a:sp3d>
+        </p:spPr>
+        <p:style>
+          <a:lnRef idx="0">
+            <a:schemeClr val="accent6"/>
+          </a:lnRef>
+          <a:fillRef idx="3">
+            <a:schemeClr val="accent6"/>
+          </a:fillRef>
+          <a:effectRef idx="3">
+            <a:schemeClr val="accent6"/>
+          </a:effectRef>
+          <a:fontRef idx="minor">
+            <a:schemeClr val="lt1"/>
+          </a:fontRef>
+        </p:style>
+        <p:txBody>
+          <a:bodyPr/>
+          <a:lstStyle/>
+          <a:p>
+            <a:r>
+              <a:rPr lang="en-US" cap="none" dirty="0" smtClean="0">
+                <a:latin typeface="Calibri" panose="020F0502020204030204" pitchFamily="34" charset="0"/>
+                <a:ea typeface="Calibri" panose="020F0502020204030204" pitchFamily="34" charset="0"/>
+                <a:cs typeface="Calibri" panose="020F0502020204030204" pitchFamily="34" charset="0"/>
+              </a:rPr>
+              <a:t>Attention Mechanism</a:t>
+            </a:r>
+            <a:endParaRPr lang="en-US" cap="none" dirty="0">
+              <a:latin typeface="Calibri" panose="020F0502020204030204" pitchFamily="34" charset="0"/>
+              <a:ea typeface="Calibri" panose="020F0502020204030204" pitchFamily="34" charset="0"/>
+              <a:cs typeface="Calibri" panose="020F0502020204030204" pitchFamily="34" charset="0"/>
+            </a:endParaRPr>
+          </a:p>
+        </p:txBody>
+      </p:sp>
+      <p:grpSp>
+        <p:nvGrpSpPr>
+          <p:cNvPr id="15" name="Group 14"/>
+          <p:cNvGrpSpPr/>
+          <p:nvPr/>
+        </p:nvGrpSpPr>
+        <p:grpSpPr>
+          <a:xfrm>
+            <a:off x="213815" y="1721436"/>
+            <a:ext cx="11427062" cy="4010462"/>
+            <a:chOff x="213815" y="1721436"/>
+            <a:chExt cx="11427062" cy="4010462"/>
+          </a:xfrm>
+        </p:grpSpPr>
+        <p:pic>
+          <p:nvPicPr>
+            <p:cNvPr id="8" name="Picture 7"/>
+            <p:cNvPicPr>
+              <a:picLocks noChangeAspect="1"/>
+            </p:cNvPicPr>
+            <p:nvPr/>
+          </p:nvPicPr>
+          <p:blipFill>
+            <a:blip r:embed="rId2"/>
+            <a:stretch>
+              <a:fillRect/>
+            </a:stretch>
+          </p:blipFill>
+          <p:spPr>
+            <a:xfrm>
+              <a:off x="215219" y="1721436"/>
+              <a:ext cx="2439387" cy="2459328"/>
+            </a:xfrm>
+            <a:prstGeom prst="rect">
+              <a:avLst/>
+            </a:prstGeom>
+          </p:spPr>
+        </p:pic>
+        <p:pic>
+          <p:nvPicPr>
+            <p:cNvPr id="9" name="Picture 8"/>
+            <p:cNvPicPr>
+              <a:picLocks noChangeAspect="1"/>
+            </p:cNvPicPr>
+            <p:nvPr/>
+          </p:nvPicPr>
+          <p:blipFill>
+            <a:blip r:embed="rId3"/>
+            <a:stretch>
+              <a:fillRect/>
+            </a:stretch>
+          </p:blipFill>
+          <p:spPr>
+            <a:xfrm>
+              <a:off x="213815" y="4427556"/>
+              <a:ext cx="3603009" cy="1304342"/>
+            </a:xfrm>
+            <a:prstGeom prst="rect">
+              <a:avLst/>
+            </a:prstGeom>
+          </p:spPr>
+        </p:pic>
+        <p:pic>
+          <p:nvPicPr>
+            <p:cNvPr id="10" name="Picture 9"/>
+            <p:cNvPicPr>
+              <a:picLocks noChangeAspect="1"/>
+            </p:cNvPicPr>
+            <p:nvPr/>
+          </p:nvPicPr>
+          <p:blipFill>
+            <a:blip r:embed="rId4"/>
+            <a:stretch>
+              <a:fillRect/>
+            </a:stretch>
+          </p:blipFill>
+          <p:spPr>
+            <a:xfrm>
+              <a:off x="4156041" y="1721436"/>
+              <a:ext cx="2517531" cy="2459153"/>
+            </a:xfrm>
+            <a:prstGeom prst="rect">
+              <a:avLst/>
+            </a:prstGeom>
+          </p:spPr>
+        </p:pic>
+        <p:pic>
+          <p:nvPicPr>
+            <p:cNvPr id="11" name="Picture 10"/>
+            <p:cNvPicPr>
+              <a:picLocks noChangeAspect="1"/>
+            </p:cNvPicPr>
+            <p:nvPr/>
+          </p:nvPicPr>
+          <p:blipFill>
+            <a:blip r:embed="rId5"/>
+            <a:stretch>
+              <a:fillRect/>
+            </a:stretch>
+          </p:blipFill>
+          <p:spPr>
+            <a:xfrm>
+              <a:off x="4156041" y="4427556"/>
+              <a:ext cx="3679749" cy="1304342"/>
+            </a:xfrm>
+            <a:prstGeom prst="rect">
+              <a:avLst/>
+            </a:prstGeom>
+          </p:spPr>
+        </p:pic>
+        <p:pic>
+          <p:nvPicPr>
+            <p:cNvPr id="12" name="Picture 11"/>
+            <p:cNvPicPr>
+              <a:picLocks noChangeAspect="1"/>
+            </p:cNvPicPr>
+            <p:nvPr/>
+          </p:nvPicPr>
+          <p:blipFill>
+            <a:blip r:embed="rId6"/>
+            <a:stretch>
+              <a:fillRect/>
+            </a:stretch>
+          </p:blipFill>
+          <p:spPr>
+            <a:xfrm>
+              <a:off x="8175007" y="1721437"/>
+              <a:ext cx="3465870" cy="2459153"/>
+            </a:xfrm>
+            <a:prstGeom prst="rect">
+              <a:avLst/>
+            </a:prstGeom>
+          </p:spPr>
+        </p:pic>
+      </p:grpSp>
+      <p:pic>
+        <p:nvPicPr>
+          <p:cNvPr id="13" name="Picture 12"/>
+          <p:cNvPicPr>
+            <a:picLocks noChangeAspect="1"/>
+          </p:cNvPicPr>
+          <p:nvPr/>
+        </p:nvPicPr>
+        <p:blipFill>
+          <a:blip r:embed="rId7"/>
+          <a:stretch>
+            <a:fillRect/>
+          </a:stretch>
+        </p:blipFill>
+        <p:spPr>
+          <a:xfrm>
+            <a:off x="8175007" y="4427556"/>
+            <a:ext cx="3890623" cy="1269156"/>
+          </a:xfrm>
+          <a:prstGeom prst="rect">
+            <a:avLst/>
+          </a:prstGeom>
+        </p:spPr>
+      </p:pic>
+      <p:sp>
+        <p:nvSpPr>
+          <p:cNvPr id="14" name="TextBox 13"/>
+          <p:cNvSpPr txBox="1"/>
+          <p:nvPr/>
+        </p:nvSpPr>
+        <p:spPr>
+          <a:xfrm>
+            <a:off x="213815" y="5936776"/>
+            <a:ext cx="11809863" cy="369332"/>
+          </a:xfrm>
+          <a:prstGeom prst="rect">
+            <a:avLst/>
+          </a:prstGeom>
+          <a:noFill/>
+        </p:spPr>
+        <p:txBody>
+          <a:bodyPr wrap="square" rtlCol="0">
+            <a:spAutoFit/>
+          </a:bodyPr>
+          <a:lstStyle/>
+          <a:p>
+            <a:r>
+              <a:rPr lang="en-US" dirty="0" smtClean="0"/>
+              <a:t>(</a:t>
+            </a:r>
+            <a:r>
+              <a:rPr lang="en-US" dirty="0" err="1" smtClean="0"/>
+              <a:t>i</a:t>
+            </a:r>
+            <a:r>
+              <a:rPr lang="en-US" dirty="0" smtClean="0"/>
+              <a:t>) Global Self-Attention			  (ii) Causal Self-Attention			(iii) Cross Attention</a:t>
+            </a:r>
+            <a:endParaRPr lang="en-US" dirty="0"/>
+          </a:p>
+        </p:txBody>
+      </p:sp>
+    </p:spTree>
+    <p:extLst>
+      <p:ext uri="{BB962C8B-B14F-4D97-AF65-F5344CB8AC3E}">
+        <p14:creationId xmlns:p14="http://schemas.microsoft.com/office/powerpoint/2010/main" val="1120956199"/>
+      </p:ext>
+    </p:extLst>
+  </p:cSld>
+  <p:clrMapOvr>
+    <a:masterClrMapping/>
+  </p:clrMapOvr>
+  <p:timing>
+    <p:tnLst>
+      <p:par>
+        <p:cTn id="1" dur="indefinite" restart="never" nodeType="tmRoot"/>
+      </p:par>
+    </p:tnLst>
+  </p:timing>
+</p:sld>
+</file>
+
+<file path=ppt/slides/slide11.xml><?xml version="1.0" encoding="utf-8"?>
+<p:sld xmlns:a="http://schemas.openxmlformats.org/drawingml/2006/main" xmlns:r="http://schemas.openxmlformats.org/officeDocument/2006/relationships" xmlns:p="http://schemas.openxmlformats.org/presentationml/2006/main">
+  <p:cSld>
+    <p:spTree>
+      <p:nvGrpSpPr>
+        <p:cNvPr id="1" name=""/>
+        <p:cNvGrpSpPr/>
+        <p:nvPr/>
+      </p:nvGrpSpPr>
+      <p:grpSpPr>
+        <a:xfrm>
+          <a:off x="0" y="0"/>
+          <a:ext cx="0" cy="0"/>
+          <a:chOff x="0" y="0"/>
+          <a:chExt cx="0" cy="0"/>
+        </a:xfrm>
+      </p:grpSpPr>
+      <p:sp>
+        <p:nvSpPr>
+          <p:cNvPr id="2" name="Title 1"/>
+          <p:cNvSpPr>
+            <a:spLocks noGrp="1"/>
+          </p:cNvSpPr>
+          <p:nvPr>
+            <p:ph type="title"/>
+          </p:nvPr>
+        </p:nvSpPr>
+        <p:spPr>
+          <a:xfrm>
+            <a:off x="3063923" y="237341"/>
+            <a:ext cx="8610600" cy="1293028"/>
+          </a:xfrm>
+          <a:ln>
+            <a:noFill/>
+          </a:ln>
+          <a:effectLst/>
+          <a:scene3d>
+            <a:camera prst="orthographicFront">
+              <a:rot lat="0" lon="0" rev="0"/>
+            </a:camera>
+            <a:lightRig rig="chilly" dir="t">
+              <a:rot lat="0" lon="0" rev="18480000"/>
+            </a:lightRig>
+          </a:scene3d>
+          <a:sp3d prstMaterial="clear">
+            <a:bevelT h="63500"/>
+          </a:sp3d>
+        </p:spPr>
+        <p:style>
+          <a:lnRef idx="0">
+            <a:schemeClr val="accent6"/>
+          </a:lnRef>
+          <a:fillRef idx="3">
+            <a:schemeClr val="accent6"/>
+          </a:fillRef>
+          <a:effectRef idx="3">
+            <a:schemeClr val="accent6"/>
+          </a:effectRef>
+          <a:fontRef idx="minor">
+            <a:schemeClr val="lt1"/>
+          </a:fontRef>
+        </p:style>
+        <p:txBody>
+          <a:bodyPr/>
+          <a:lstStyle/>
+          <a:p>
+            <a:r>
+              <a:rPr lang="en-US" cap="none" dirty="0" smtClean="0">
+                <a:latin typeface="Calibri" panose="020F0502020204030204" pitchFamily="34" charset="0"/>
+                <a:ea typeface="Calibri" panose="020F0502020204030204" pitchFamily="34" charset="0"/>
+                <a:cs typeface="Calibri" panose="020F0502020204030204" pitchFamily="34" charset="0"/>
+              </a:rPr>
+              <a:t>Positional Encoding</a:t>
+            </a:r>
+            <a:endParaRPr lang="en-US" cap="none" dirty="0">
+              <a:latin typeface="Calibri" panose="020F0502020204030204" pitchFamily="34" charset="0"/>
+              <a:ea typeface="Calibri" panose="020F0502020204030204" pitchFamily="34" charset="0"/>
+              <a:cs typeface="Calibri" panose="020F0502020204030204" pitchFamily="34" charset="0"/>
+            </a:endParaRPr>
+          </a:p>
+        </p:txBody>
+      </p:sp>
+      <p:sp>
+        <p:nvSpPr>
+          <p:cNvPr id="3" name="Content Placeholder 2"/>
+          <p:cNvSpPr>
+            <a:spLocks noGrp="1"/>
+          </p:cNvSpPr>
+          <p:nvPr>
+            <p:ph idx="1"/>
+          </p:nvPr>
+        </p:nvSpPr>
+        <p:spPr>
+          <a:xfrm>
+            <a:off x="544773" y="1530369"/>
+            <a:ext cx="10820400" cy="4524688"/>
+          </a:xfrm>
+          <a:solidFill>
+            <a:schemeClr val="bg1"/>
+          </a:solidFill>
+        </p:spPr>
+        <p:txBody>
+          <a:bodyPr>
+            <a:normAutofit/>
+          </a:bodyPr>
+          <a:lstStyle/>
+          <a:p>
+            <a:pPr>
+              <a:lnSpc>
+                <a:spcPct val="150000"/>
+              </a:lnSpc>
+            </a:pPr>
+            <a:r>
+              <a:rPr lang="en-US" sz="1800" dirty="0" smtClean="0"/>
+              <a:t>Unlike RNNs, Transformer architecture (or self-attention) is not able to capture the sequence order of the input.</a:t>
+            </a:r>
+          </a:p>
+          <a:p>
+            <a:pPr>
+              <a:lnSpc>
+                <a:spcPct val="150000"/>
+              </a:lnSpc>
+            </a:pPr>
+            <a:r>
+              <a:rPr lang="en-US" sz="1800" dirty="0" smtClean="0"/>
+              <a:t>To overcome this, positional encoding is injected into the input embedding vectors.</a:t>
+            </a:r>
+          </a:p>
+          <a:p>
+            <a:r>
+              <a:rPr lang="en-US" sz="2000" dirty="0" err="1" smtClean="0"/>
+              <a:t>X</a:t>
+            </a:r>
+            <a:r>
+              <a:rPr lang="en-US" sz="2000" baseline="-25000" dirty="0" err="1" smtClean="0"/>
+              <a:t>pos</a:t>
+            </a:r>
+            <a:r>
+              <a:rPr lang="en-US" sz="2000" dirty="0" smtClean="0"/>
+              <a:t> = [ </a:t>
+            </a:r>
+            <a:r>
+              <a:rPr lang="en-US" sz="2000" dirty="0" err="1" smtClean="0"/>
+              <a:t>X</a:t>
+            </a:r>
+            <a:r>
+              <a:rPr lang="en-US" sz="2000" baseline="-25000" dirty="0" err="1" smtClean="0"/>
+              <a:t>pos</a:t>
+            </a:r>
+            <a:r>
+              <a:rPr lang="en-US" sz="2000" dirty="0" smtClean="0"/>
+              <a:t> * </a:t>
+            </a:r>
+            <a:r>
+              <a:rPr lang="en-US" sz="2000" dirty="0" err="1" smtClean="0"/>
+              <a:t>sqrt</a:t>
+            </a:r>
+            <a:r>
+              <a:rPr lang="en-US" sz="2000" dirty="0" smtClean="0"/>
+              <a:t>(</a:t>
+            </a:r>
+            <a:r>
+              <a:rPr lang="en-US" sz="2000" dirty="0" err="1" smtClean="0"/>
+              <a:t>d</a:t>
+            </a:r>
+            <a:r>
+              <a:rPr lang="en-US" sz="2000" baseline="-25000" dirty="0" err="1" smtClean="0"/>
+              <a:t>model</a:t>
+            </a:r>
+            <a:r>
+              <a:rPr lang="en-US" sz="2000" dirty="0" smtClean="0"/>
+              <a:t>) ] + </a:t>
+            </a:r>
+            <a:r>
+              <a:rPr lang="en-US" sz="2000" dirty="0" err="1" smtClean="0"/>
+              <a:t>PE</a:t>
+            </a:r>
+            <a:r>
+              <a:rPr lang="en-US" sz="2000" baseline="-25000" dirty="0" err="1" smtClean="0"/>
+              <a:t>pos</a:t>
+            </a:r>
+            <a:endParaRPr lang="en-US" sz="2000" dirty="0" smtClean="0"/>
+          </a:p>
+          <a:p>
+            <a:pPr marL="0" indent="0">
+              <a:buNone/>
+            </a:pPr>
+            <a:r>
+              <a:rPr lang="en-US" sz="2000" dirty="0" smtClean="0"/>
+              <a:t>  Where, </a:t>
+            </a:r>
+          </a:p>
+          <a:p>
+            <a:pPr marL="0" indent="0">
+              <a:buNone/>
+            </a:pPr>
+            <a:r>
+              <a:rPr lang="en-US" sz="2000" dirty="0"/>
+              <a:t>	</a:t>
+            </a:r>
+            <a:r>
+              <a:rPr lang="en-US" sz="2000" dirty="0" smtClean="0"/>
+              <a:t>X is input embedding</a:t>
+            </a:r>
+          </a:p>
+          <a:p>
+            <a:pPr marL="0" indent="0">
+              <a:buNone/>
+            </a:pPr>
+            <a:r>
+              <a:rPr lang="en-US" sz="2000" dirty="0"/>
+              <a:t>	</a:t>
+            </a:r>
+            <a:r>
+              <a:rPr lang="en-US" sz="2000" dirty="0" smtClean="0"/>
+              <a:t>PE is positional encoding</a:t>
+            </a:r>
+          </a:p>
+          <a:p>
+            <a:pPr marL="0" indent="0">
+              <a:buNone/>
+            </a:pPr>
+            <a:endParaRPr lang="en-US" sz="2000" dirty="0"/>
+          </a:p>
+          <a:p>
+            <a:pPr marL="0" indent="0">
+              <a:buNone/>
+            </a:pPr>
+            <a:r>
+              <a:rPr lang="en-US" sz="2000" dirty="0" smtClean="0"/>
+              <a:t>						</a:t>
+            </a:r>
+          </a:p>
+          <a:p>
+            <a:pPr marL="0" indent="0">
+              <a:buNone/>
+            </a:pPr>
+            <a:r>
+              <a:rPr lang="en-US" sz="2000" dirty="0"/>
+              <a:t>	</a:t>
+            </a:r>
+            <a:r>
+              <a:rPr lang="en-US" sz="2000" dirty="0" smtClean="0"/>
+              <a:t>					</a:t>
+            </a:r>
+            <a:r>
+              <a:rPr lang="en-US" dirty="0" smtClean="0"/>
+              <a:t>0 </a:t>
+            </a:r>
+            <a:r>
+              <a:rPr lang="en-US" dirty="0"/>
+              <a:t>≤ 𝑖 ≤ 𝑑</a:t>
+            </a:r>
+            <a:r>
+              <a:rPr lang="en-US" baseline="-25000" dirty="0"/>
+              <a:t>𝑚𝑜𝑑𝑒𝑙</a:t>
+            </a:r>
+            <a:r>
+              <a:rPr lang="en-US" dirty="0"/>
+              <a:t> /2</a:t>
+            </a:r>
+            <a:endParaRPr lang="en-US" sz="2000" dirty="0"/>
+          </a:p>
+        </p:txBody>
+      </p:sp>
+      <p:pic>
+        <p:nvPicPr>
+          <p:cNvPr id="5" name="Picture 4"/>
+          <p:cNvPicPr>
+            <a:picLocks noChangeAspect="1"/>
+          </p:cNvPicPr>
+          <p:nvPr/>
+        </p:nvPicPr>
+        <p:blipFill>
+          <a:blip r:embed="rId2"/>
+          <a:stretch>
+            <a:fillRect/>
+          </a:stretch>
+        </p:blipFill>
+        <p:spPr>
+          <a:xfrm>
+            <a:off x="544773" y="4722194"/>
+            <a:ext cx="5163404" cy="1929821"/>
+          </a:xfrm>
+          <a:prstGeom prst="rect">
+            <a:avLst/>
+          </a:prstGeom>
+        </p:spPr>
+      </p:pic>
+    </p:spTree>
+    <p:extLst>
+      <p:ext uri="{BB962C8B-B14F-4D97-AF65-F5344CB8AC3E}">
+        <p14:creationId xmlns:p14="http://schemas.microsoft.com/office/powerpoint/2010/main" val="203323682"/>
+      </p:ext>
+    </p:extLst>
+  </p:cSld>
+  <p:clrMapOvr>
+    <a:masterClrMapping/>
+  </p:clrMapOvr>
+  <p:timing>
+    <p:tnLst>
+      <p:par>
+        <p:cTn id="1" dur="indefinite" restart="never" nodeType="tmRoot"/>
+      </p:par>
+    </p:tnLst>
+  </p:timing>
+</p:sld>
+</file>
+
+<file path=ppt/slides/slide12.xml><?xml version="1.0" encoding="utf-8"?>
+<p:sld xmlns:a="http://schemas.openxmlformats.org/drawingml/2006/main" xmlns:r="http://schemas.openxmlformats.org/officeDocument/2006/relationships" xmlns:p="http://schemas.openxmlformats.org/presentationml/2006/main">
+  <p:cSld>
+    <p:spTree>
+      <p:nvGrpSpPr>
+        <p:cNvPr id="1" name=""/>
+        <p:cNvGrpSpPr/>
+        <p:nvPr/>
+      </p:nvGrpSpPr>
+      <p:grpSpPr>
+        <a:xfrm>
+          <a:off x="0" y="0"/>
+          <a:ext cx="0" cy="0"/>
+          <a:chOff x="0" y="0"/>
+          <a:chExt cx="0" cy="0"/>
+        </a:xfrm>
+      </p:grpSpPr>
+      <p:sp>
+        <p:nvSpPr>
+          <p:cNvPr id="2" name="Title 1"/>
+          <p:cNvSpPr>
+            <a:spLocks noGrp="1"/>
+          </p:cNvSpPr>
+          <p:nvPr>
+            <p:ph type="title"/>
+          </p:nvPr>
+        </p:nvSpPr>
+        <p:spPr>
+          <a:xfrm>
+            <a:off x="2972937" y="345842"/>
+            <a:ext cx="8610600" cy="673191"/>
+          </a:xfrm>
+          <a:ln>
+            <a:noFill/>
+          </a:ln>
+          <a:effectLst/>
+          <a:scene3d>
+            <a:camera prst="orthographicFront">
+              <a:rot lat="0" lon="0" rev="0"/>
+            </a:camera>
+            <a:lightRig rig="chilly" dir="t">
+              <a:rot lat="0" lon="0" rev="18480000"/>
+            </a:lightRig>
+          </a:scene3d>
+          <a:sp3d prstMaterial="clear">
+            <a:bevelT h="63500"/>
+          </a:sp3d>
+        </p:spPr>
+        <p:style>
+          <a:lnRef idx="0">
+            <a:schemeClr val="accent6"/>
+          </a:lnRef>
+          <a:fillRef idx="3">
+            <a:schemeClr val="accent6"/>
+          </a:fillRef>
+          <a:effectRef idx="3">
+            <a:schemeClr val="accent6"/>
+          </a:effectRef>
+          <a:fontRef idx="minor">
+            <a:schemeClr val="lt1"/>
+          </a:fontRef>
+        </p:style>
+        <p:txBody>
+          <a:bodyPr/>
+          <a:lstStyle/>
+          <a:p>
+            <a:r>
+              <a:rPr lang="en-US" cap="none" dirty="0" smtClean="0">
+                <a:latin typeface="Calibri" panose="020F0502020204030204" pitchFamily="34" charset="0"/>
+                <a:ea typeface="Calibri" panose="020F0502020204030204" pitchFamily="34" charset="0"/>
+                <a:cs typeface="Calibri" panose="020F0502020204030204" pitchFamily="34" charset="0"/>
+              </a:rPr>
+              <a:t>Literature Review</a:t>
+            </a:r>
+            <a:endParaRPr lang="en-US" cap="none" dirty="0">
+              <a:latin typeface="Calibri" panose="020F0502020204030204" pitchFamily="34" charset="0"/>
+              <a:ea typeface="Calibri" panose="020F0502020204030204" pitchFamily="34" charset="0"/>
+              <a:cs typeface="Calibri" panose="020F0502020204030204" pitchFamily="34" charset="0"/>
+            </a:endParaRPr>
+          </a:p>
+        </p:txBody>
+      </p:sp>
+      <p:sp>
+        <p:nvSpPr>
+          <p:cNvPr id="3" name="Content Placeholder 2"/>
+          <p:cNvSpPr>
+            <a:spLocks noGrp="1"/>
+          </p:cNvSpPr>
+          <p:nvPr>
+            <p:ph idx="1"/>
+          </p:nvPr>
+        </p:nvSpPr>
+        <p:spPr>
+          <a:xfrm>
+            <a:off x="763137" y="1325652"/>
+            <a:ext cx="10820400" cy="5116091"/>
+          </a:xfrm>
+        </p:spPr>
+        <p:txBody>
+          <a:bodyPr>
+            <a:normAutofit fontScale="92500"/>
+          </a:bodyPr>
+          <a:lstStyle/>
+          <a:p>
+            <a:pPr algn="just">
+              <a:lnSpc>
+                <a:spcPct val="150000"/>
+              </a:lnSpc>
+            </a:pPr>
+            <a:r>
+              <a:rPr lang="en-US" dirty="0" smtClean="0"/>
+              <a:t>Most of the works done on Sentiment Analysis of Nepali texts are based on ML-based approaches (mostly SVM and others) and Deep learning-based approaches ( LSTM, CNN ).</a:t>
+            </a:r>
+          </a:p>
+          <a:p>
+            <a:pPr algn="just">
+              <a:lnSpc>
+                <a:spcPct val="150000"/>
+              </a:lnSpc>
+            </a:pPr>
+            <a:r>
+              <a:rPr lang="en-US" dirty="0" smtClean="0"/>
+              <a:t>There are not many works related to Sentiment Analysis using Transformer models. Only one work was found, that reports the performance of </a:t>
+            </a:r>
+            <a:r>
+              <a:rPr lang="en-US" dirty="0" err="1" smtClean="0"/>
+              <a:t>mBERT</a:t>
+            </a:r>
+            <a:r>
+              <a:rPr lang="en-US" dirty="0" smtClean="0"/>
+              <a:t> (accuracy: 81.5%, F1: 79.9%) in comparison to </a:t>
+            </a:r>
+            <a:r>
+              <a:rPr lang="en-US" dirty="0" err="1" smtClean="0"/>
+              <a:t>BiLSTM</a:t>
+            </a:r>
+            <a:r>
+              <a:rPr lang="en-US" dirty="0" smtClean="0"/>
+              <a:t>, CNN, and SVM.</a:t>
+            </a:r>
+          </a:p>
+          <a:p>
+            <a:pPr algn="just">
+              <a:lnSpc>
+                <a:spcPct val="150000"/>
+              </a:lnSpc>
+            </a:pPr>
+            <a:r>
+              <a:rPr lang="en-US" dirty="0" smtClean="0"/>
+              <a:t>Some works have been done in news classification using transformer models (all BERT-based like </a:t>
+            </a:r>
+            <a:r>
+              <a:rPr lang="en-US" dirty="0" err="1" smtClean="0"/>
+              <a:t>distilBERT</a:t>
+            </a:r>
+            <a:r>
+              <a:rPr lang="en-US" dirty="0" smtClean="0"/>
+              <a:t>, </a:t>
+            </a:r>
+            <a:r>
+              <a:rPr lang="en-US" dirty="0" err="1" smtClean="0"/>
+              <a:t>DeBERTa</a:t>
+            </a:r>
+            <a:r>
+              <a:rPr lang="en-US" dirty="0" smtClean="0"/>
+              <a:t>, </a:t>
+            </a:r>
+            <a:r>
+              <a:rPr lang="en-US" dirty="0" err="1" smtClean="0"/>
+              <a:t>RoBERTa</a:t>
+            </a:r>
+            <a:r>
+              <a:rPr lang="en-US" dirty="0" smtClean="0"/>
+              <a:t>, and BERT). All of those works show that one or the other BERT-based models perform better than ML-based (SVM, RF, etc.) approaches and other deep learning (LSTM, CNN, etc.) approaches.</a:t>
+            </a:r>
+          </a:p>
+          <a:p>
+            <a:pPr algn="just">
+              <a:lnSpc>
+                <a:spcPct val="150000"/>
+              </a:lnSpc>
+            </a:pPr>
+            <a:endParaRPr lang="en-US" dirty="0"/>
+          </a:p>
+        </p:txBody>
+      </p:sp>
+    </p:spTree>
+    <p:extLst>
+      <p:ext uri="{BB962C8B-B14F-4D97-AF65-F5344CB8AC3E}">
+        <p14:creationId xmlns:p14="http://schemas.microsoft.com/office/powerpoint/2010/main" val="596923279"/>
+      </p:ext>
+    </p:extLst>
+  </p:cSld>
+  <p:clrMapOvr>
+    <a:masterClrMapping/>
+  </p:clrMapOvr>
+  <p:timing>
+    <p:tnLst>
+      <p:par>
+        <p:cTn id="1" dur="indefinite" restart="never" nodeType="tmRoot"/>
+      </p:par>
+    </p:tnLst>
+  </p:timing>
+</p:sld>
+</file>
+
+<file path=ppt/slides/slide13.xml><?xml version="1.0" encoding="utf-8"?>
+<p:sld xmlns:a="http://schemas.openxmlformats.org/drawingml/2006/main" xmlns:r="http://schemas.openxmlformats.org/officeDocument/2006/relationships" xmlns:p="http://schemas.openxmlformats.org/presentationml/2006/main">
+  <p:cSld>
+    <p:spTree>
+      <p:nvGrpSpPr>
+        <p:cNvPr id="1" name=""/>
+        <p:cNvGrpSpPr/>
+        <p:nvPr/>
+      </p:nvGrpSpPr>
+      <p:grpSpPr>
+        <a:xfrm>
+          <a:off x="0" y="0"/>
+          <a:ext cx="0" cy="0"/>
+          <a:chOff x="0" y="0"/>
+          <a:chExt cx="0" cy="0"/>
+        </a:xfrm>
+      </p:grpSpPr>
+      <p:sp>
+        <p:nvSpPr>
+          <p:cNvPr id="2" name="Title 1"/>
+          <p:cNvSpPr>
+            <a:spLocks noGrp="1"/>
+          </p:cNvSpPr>
+          <p:nvPr>
+            <p:ph type="title"/>
+          </p:nvPr>
+        </p:nvSpPr>
+        <p:spPr>
+          <a:xfrm>
+            <a:off x="2972937" y="345842"/>
+            <a:ext cx="8610600" cy="673191"/>
+          </a:xfrm>
+          <a:ln>
+            <a:noFill/>
+          </a:ln>
+          <a:effectLst/>
+          <a:scene3d>
+            <a:camera prst="orthographicFront">
+              <a:rot lat="0" lon="0" rev="0"/>
+            </a:camera>
+            <a:lightRig rig="chilly" dir="t">
+              <a:rot lat="0" lon="0" rev="18480000"/>
+            </a:lightRig>
+          </a:scene3d>
+          <a:sp3d prstMaterial="clear">
+            <a:bevelT h="63500"/>
+          </a:sp3d>
+        </p:spPr>
+        <p:style>
+          <a:lnRef idx="0">
+            <a:schemeClr val="accent6"/>
+          </a:lnRef>
+          <a:fillRef idx="3">
+            <a:schemeClr val="accent6"/>
+          </a:fillRef>
+          <a:effectRef idx="3">
+            <a:schemeClr val="accent6"/>
+          </a:effectRef>
+          <a:fontRef idx="minor">
+            <a:schemeClr val="lt1"/>
+          </a:fontRef>
+        </p:style>
+        <p:txBody>
+          <a:bodyPr/>
+          <a:lstStyle/>
+          <a:p>
+            <a:r>
+              <a:rPr lang="en-US" cap="none" dirty="0" smtClean="0">
+                <a:latin typeface="Calibri" panose="020F0502020204030204" pitchFamily="34" charset="0"/>
+                <a:ea typeface="Calibri" panose="020F0502020204030204" pitchFamily="34" charset="0"/>
+                <a:cs typeface="Calibri" panose="020F0502020204030204" pitchFamily="34" charset="0"/>
+              </a:rPr>
+              <a:t>Literature Review</a:t>
+            </a:r>
+            <a:endParaRPr lang="en-US" cap="none" dirty="0">
+              <a:latin typeface="Calibri" panose="020F0502020204030204" pitchFamily="34" charset="0"/>
+              <a:ea typeface="Calibri" panose="020F0502020204030204" pitchFamily="34" charset="0"/>
+              <a:cs typeface="Calibri" panose="020F0502020204030204" pitchFamily="34" charset="0"/>
+            </a:endParaRPr>
+          </a:p>
+        </p:txBody>
+      </p:sp>
+      <p:sp>
+        <p:nvSpPr>
+          <p:cNvPr id="3" name="Content Placeholder 2"/>
+          <p:cNvSpPr>
+            <a:spLocks noGrp="1"/>
+          </p:cNvSpPr>
+          <p:nvPr>
+            <p:ph idx="1"/>
+          </p:nvPr>
+        </p:nvSpPr>
+        <p:spPr>
+          <a:xfrm>
+            <a:off x="763137" y="1325652"/>
+            <a:ext cx="10820400" cy="5116091"/>
+          </a:xfrm>
+        </p:spPr>
+        <p:txBody>
+          <a:bodyPr/>
+          <a:lstStyle/>
+          <a:p>
+            <a:pPr>
+              <a:lnSpc>
+                <a:spcPct val="150000"/>
+              </a:lnSpc>
+            </a:pPr>
+            <a:r>
+              <a:rPr lang="en-US" dirty="0" smtClean="0"/>
+              <a:t>There </a:t>
+            </a:r>
+            <a:r>
+              <a:rPr lang="en-US" dirty="0"/>
+              <a:t>are only 2 Nepali only Pre-trained BERT Language Models (LM) available, namely </a:t>
+            </a:r>
+            <a:r>
+              <a:rPr lang="en-US" dirty="0" err="1"/>
+              <a:t>NepaliBERT</a:t>
+            </a:r>
+            <a:r>
+              <a:rPr lang="en-US" dirty="0"/>
+              <a:t> and </a:t>
+            </a:r>
+            <a:r>
+              <a:rPr lang="en-US" dirty="0" err="1"/>
+              <a:t>NepBERTa</a:t>
+            </a:r>
+            <a:r>
+              <a:rPr lang="en-US" dirty="0"/>
+              <a:t>. Other than that, there is one </a:t>
+            </a:r>
+            <a:r>
+              <a:rPr lang="en-US" dirty="0" err="1"/>
+              <a:t>distilBERT</a:t>
+            </a:r>
+            <a:r>
+              <a:rPr lang="en-US" dirty="0"/>
+              <a:t> and one </a:t>
+            </a:r>
+            <a:r>
+              <a:rPr lang="en-US" dirty="0" err="1"/>
+              <a:t>DeBERTa</a:t>
+            </a:r>
+            <a:r>
+              <a:rPr lang="en-US" dirty="0"/>
+              <a:t> model.</a:t>
+            </a:r>
+          </a:p>
+          <a:p>
+            <a:pPr>
+              <a:lnSpc>
+                <a:spcPct val="150000"/>
+              </a:lnSpc>
+            </a:pPr>
+            <a:r>
+              <a:rPr lang="en-US" dirty="0"/>
+              <a:t>There are no known Nepali-only Pre-Trained GPT-based LMs available</a:t>
+            </a:r>
+            <a:r>
+              <a:rPr lang="en-US" dirty="0" smtClean="0"/>
+              <a:t>.</a:t>
+            </a:r>
+            <a:endParaRPr lang="en-US" dirty="0"/>
+          </a:p>
+          <a:p>
+            <a:pPr>
+              <a:lnSpc>
+                <a:spcPct val="150000"/>
+              </a:lnSpc>
+            </a:pPr>
+            <a:r>
+              <a:rPr lang="en-US" dirty="0" smtClean="0"/>
+              <a:t>Thus, there hasn’t been any work done on SA with </a:t>
+            </a:r>
+            <a:r>
+              <a:rPr lang="en-US" smtClean="0"/>
+              <a:t>a GPT </a:t>
+            </a:r>
+            <a:r>
+              <a:rPr lang="en-US" dirty="0" smtClean="0"/>
+              <a:t>model.</a:t>
+            </a:r>
+            <a:endParaRPr lang="en-US" dirty="0"/>
+          </a:p>
+        </p:txBody>
+      </p:sp>
+    </p:spTree>
+    <p:extLst>
+      <p:ext uri="{BB962C8B-B14F-4D97-AF65-F5344CB8AC3E}">
+        <p14:creationId xmlns:p14="http://schemas.microsoft.com/office/powerpoint/2010/main" val="502278161"/>
+      </p:ext>
+    </p:extLst>
+  </p:cSld>
+  <p:clrMapOvr>
+    <a:masterClrMapping/>
+  </p:clrMapOvr>
+  <p:timing>
+    <p:tnLst>
+      <p:par>
+        <p:cTn id="1" dur="indefinite" restart="never" nodeType="tmRoot"/>
+      </p:par>
+    </p:tnLst>
+  </p:timing>
+</p:sld>
+</file>
+
+<file path=ppt/slides/slide14.xml><?xml version="1.0" encoding="utf-8"?>
+<p:sld xmlns:a="http://schemas.openxmlformats.org/drawingml/2006/main" xmlns:r="http://schemas.openxmlformats.org/officeDocument/2006/relationships" xmlns:p="http://schemas.openxmlformats.org/presentationml/2006/main">
+  <p:cSld>
+    <p:spTree>
+      <p:nvGrpSpPr>
+        <p:cNvPr id="1" name=""/>
+        <p:cNvGrpSpPr/>
+        <p:nvPr/>
+      </p:nvGrpSpPr>
+      <p:grpSpPr>
+        <a:xfrm>
+          <a:off x="0" y="0"/>
+          <a:ext cx="0" cy="0"/>
+          <a:chOff x="0" y="0"/>
+          <a:chExt cx="0" cy="0"/>
+        </a:xfrm>
+      </p:grpSpPr>
+      <p:sp>
+        <p:nvSpPr>
+          <p:cNvPr id="2" name="Title 1"/>
+          <p:cNvSpPr>
+            <a:spLocks noGrp="1"/>
+          </p:cNvSpPr>
+          <p:nvPr>
+            <p:ph type="title"/>
+          </p:nvPr>
+        </p:nvSpPr>
+        <p:spPr>
+          <a:ln>
+            <a:noFill/>
+          </a:ln>
+          <a:effectLst/>
+          <a:scene3d>
+            <a:camera prst="orthographicFront">
+              <a:rot lat="0" lon="0" rev="0"/>
+            </a:camera>
+            <a:lightRig rig="chilly" dir="t">
+              <a:rot lat="0" lon="0" rev="18480000"/>
+            </a:lightRig>
+          </a:scene3d>
+          <a:sp3d prstMaterial="clear">
+            <a:bevelT h="63500"/>
+          </a:sp3d>
+        </p:spPr>
+        <p:style>
+          <a:lnRef idx="0">
+            <a:schemeClr val="accent6"/>
+          </a:lnRef>
+          <a:fillRef idx="3">
+            <a:schemeClr val="accent6"/>
+          </a:fillRef>
+          <a:effectRef idx="3">
+            <a:schemeClr val="accent6"/>
+          </a:effectRef>
+          <a:fontRef idx="minor">
+            <a:schemeClr val="lt1"/>
+          </a:fontRef>
+        </p:style>
+        <p:txBody>
+          <a:bodyPr/>
+          <a:lstStyle/>
+          <a:p>
+            <a:r>
+              <a:rPr lang="en-US" cap="none" dirty="0" smtClean="0">
+                <a:latin typeface="Calibri" panose="020F0502020204030204" pitchFamily="34" charset="0"/>
+                <a:ea typeface="Calibri" panose="020F0502020204030204" pitchFamily="34" charset="0"/>
+                <a:cs typeface="Calibri" panose="020F0502020204030204" pitchFamily="34" charset="0"/>
+              </a:rPr>
+              <a:t>Research Methodology</a:t>
+            </a:r>
+            <a:endParaRPr lang="en-US" cap="none" dirty="0">
+              <a:latin typeface="Calibri" panose="020F0502020204030204" pitchFamily="34" charset="0"/>
+              <a:ea typeface="Calibri" panose="020F0502020204030204" pitchFamily="34" charset="0"/>
+              <a:cs typeface="Calibri" panose="020F0502020204030204" pitchFamily="34" charset="0"/>
+            </a:endParaRPr>
+          </a:p>
+        </p:txBody>
+      </p:sp>
+      <p:sp>
+        <p:nvSpPr>
+          <p:cNvPr id="3" name="Content Placeholder 2"/>
+          <p:cNvSpPr>
+            <a:spLocks noGrp="1"/>
+          </p:cNvSpPr>
+          <p:nvPr>
+            <p:ph idx="1"/>
+          </p:nvPr>
+        </p:nvSpPr>
+        <p:spPr/>
+        <p:txBody>
+          <a:bodyPr/>
+          <a:lstStyle/>
+          <a:p>
+            <a:pPr marL="457200" indent="-457200">
+              <a:buFont typeface="+mj-lt"/>
+              <a:buAutoNum type="arabicPeriod"/>
+            </a:pPr>
+            <a:r>
+              <a:rPr lang="en-US" dirty="0" smtClean="0"/>
+              <a:t>Data Collection:</a:t>
+            </a:r>
+          </a:p>
+          <a:p>
+            <a:pPr lvl="1"/>
+            <a:r>
+              <a:rPr lang="en-US" dirty="0" smtClean="0"/>
+              <a:t>Make use of the already available Nepali Sentiment analysis dataset.</a:t>
+            </a:r>
+          </a:p>
+          <a:p>
+            <a:pPr lvl="2"/>
+            <a:r>
+              <a:rPr lang="en-US" dirty="0" smtClean="0"/>
+              <a:t>NepCov19Tweets [</a:t>
+            </a:r>
+            <a:r>
+              <a:rPr lang="en-US" dirty="0" err="1" smtClean="0"/>
+              <a:t>Sitaula</a:t>
+            </a:r>
+            <a:r>
+              <a:rPr lang="en-US" dirty="0" smtClean="0"/>
+              <a:t> et. al. “Deep Learning-Based </a:t>
+            </a:r>
+            <a:r>
+              <a:rPr lang="en-US" dirty="0"/>
+              <a:t>M</a:t>
+            </a:r>
+            <a:r>
+              <a:rPr lang="en-US" dirty="0" smtClean="0"/>
+              <a:t>ethods for SA on Nepali Covid-19 related Tweets”]</a:t>
+            </a:r>
+          </a:p>
+          <a:p>
+            <a:pPr lvl="1"/>
+            <a:r>
+              <a:rPr lang="en-US" dirty="0" smtClean="0"/>
+              <a:t>Collect data from one of the social media platforms and label it.</a:t>
+            </a:r>
+          </a:p>
+          <a:p>
+            <a:pPr lvl="1"/>
+            <a:endParaRPr lang="en-US" dirty="0"/>
+          </a:p>
+          <a:p>
+            <a:pPr marL="457200" indent="-457200">
+              <a:buFont typeface="+mj-lt"/>
+              <a:buAutoNum type="arabicPeriod"/>
+            </a:pPr>
+            <a:r>
+              <a:rPr lang="en-US" dirty="0" smtClean="0"/>
+              <a:t>Data Preprocessing:</a:t>
+            </a:r>
+          </a:p>
+          <a:p>
+            <a:pPr lvl="1"/>
+            <a:r>
+              <a:rPr lang="en-US" dirty="0" smtClean="0"/>
+              <a:t>Cleaning</a:t>
+            </a:r>
+          </a:p>
+          <a:p>
+            <a:pPr lvl="1"/>
+            <a:r>
+              <a:rPr lang="en-US" dirty="0" smtClean="0"/>
+              <a:t>Normalization</a:t>
+            </a:r>
+          </a:p>
+          <a:p>
+            <a:pPr lvl="1"/>
+            <a:r>
+              <a:rPr lang="en-US" dirty="0" smtClean="0"/>
+              <a:t>Tokenization</a:t>
+            </a:r>
+          </a:p>
+        </p:txBody>
+      </p:sp>
+    </p:spTree>
+    <p:extLst>
+      <p:ext uri="{BB962C8B-B14F-4D97-AF65-F5344CB8AC3E}">
+        <p14:creationId xmlns:p14="http://schemas.microsoft.com/office/powerpoint/2010/main" val="538100599"/>
+      </p:ext>
+    </p:extLst>
+  </p:cSld>
+  <p:clrMapOvr>
+    <a:masterClrMapping/>
+  </p:clrMapOvr>
+  <p:timing>
+    <p:tnLst>
+      <p:par>
+        <p:cTn id="1" dur="indefinite" restart="never" nodeType="tmRoot"/>
+      </p:par>
+    </p:tnLst>
+  </p:timing>
+</p:sld>
+</file>
+
+<file path=ppt/slides/slide15.xml><?xml version="1.0" encoding="utf-8"?>
+<p:sld xmlns:a="http://schemas.openxmlformats.org/drawingml/2006/main" xmlns:r="http://schemas.openxmlformats.org/officeDocument/2006/relationships" xmlns:p="http://schemas.openxmlformats.org/presentationml/2006/main">
+  <p:cSld>
+    <p:spTree>
+      <p:nvGrpSpPr>
+        <p:cNvPr id="1" name=""/>
+        <p:cNvGrpSpPr/>
+        <p:nvPr/>
+      </p:nvGrpSpPr>
+      <p:grpSpPr>
+        <a:xfrm>
+          <a:off x="0" y="0"/>
+          <a:ext cx="0" cy="0"/>
+          <a:chOff x="0" y="0"/>
+          <a:chExt cx="0" cy="0"/>
+        </a:xfrm>
+      </p:grpSpPr>
+      <p:sp>
+        <p:nvSpPr>
+          <p:cNvPr id="2" name="Title 1"/>
+          <p:cNvSpPr>
+            <a:spLocks noGrp="1"/>
+          </p:cNvSpPr>
+          <p:nvPr>
+            <p:ph type="title"/>
+          </p:nvPr>
+        </p:nvSpPr>
+        <p:spPr>
+          <a:ln>
+            <a:noFill/>
+          </a:ln>
+          <a:effectLst/>
+          <a:scene3d>
+            <a:camera prst="orthographicFront">
+              <a:rot lat="0" lon="0" rev="0"/>
+            </a:camera>
+            <a:lightRig rig="chilly" dir="t">
+              <a:rot lat="0" lon="0" rev="18480000"/>
+            </a:lightRig>
+          </a:scene3d>
+          <a:sp3d prstMaterial="clear">
+            <a:bevelT h="63500"/>
+          </a:sp3d>
+        </p:spPr>
+        <p:style>
+          <a:lnRef idx="0">
+            <a:schemeClr val="accent6"/>
+          </a:lnRef>
+          <a:fillRef idx="3">
+            <a:schemeClr val="accent6"/>
+          </a:fillRef>
+          <a:effectRef idx="3">
+            <a:schemeClr val="accent6"/>
+          </a:effectRef>
+          <a:fontRef idx="minor">
+            <a:schemeClr val="lt1"/>
+          </a:fontRef>
+        </p:style>
+        <p:txBody>
+          <a:bodyPr/>
+          <a:lstStyle/>
+          <a:p>
+            <a:r>
+              <a:rPr lang="en-US" cap="none" dirty="0" smtClean="0">
+                <a:latin typeface="Calibri" panose="020F0502020204030204" pitchFamily="34" charset="0"/>
+                <a:ea typeface="Calibri" panose="020F0502020204030204" pitchFamily="34" charset="0"/>
+                <a:cs typeface="Calibri" panose="020F0502020204030204" pitchFamily="34" charset="0"/>
+              </a:rPr>
+              <a:t>Research Methodology</a:t>
+            </a:r>
+            <a:endParaRPr lang="en-US" cap="none" dirty="0">
+              <a:latin typeface="Calibri" panose="020F0502020204030204" pitchFamily="34" charset="0"/>
+              <a:ea typeface="Calibri" panose="020F0502020204030204" pitchFamily="34" charset="0"/>
+              <a:cs typeface="Calibri" panose="020F0502020204030204" pitchFamily="34" charset="0"/>
+            </a:endParaRPr>
+          </a:p>
+        </p:txBody>
+      </p:sp>
+      <p:sp>
+        <p:nvSpPr>
+          <p:cNvPr id="3" name="Content Placeholder 2"/>
+          <p:cNvSpPr>
+            <a:spLocks noGrp="1"/>
+          </p:cNvSpPr>
+          <p:nvPr>
+            <p:ph idx="1"/>
+          </p:nvPr>
+        </p:nvSpPr>
+        <p:spPr>
+          <a:xfrm>
+            <a:off x="685800" y="2194560"/>
+            <a:ext cx="11078570" cy="4251733"/>
+          </a:xfrm>
+        </p:spPr>
+        <p:txBody>
+          <a:bodyPr>
+            <a:noAutofit/>
+          </a:bodyPr>
+          <a:lstStyle/>
+          <a:p>
+            <a:pPr marL="457200" indent="-457200">
+              <a:lnSpc>
+                <a:spcPct val="150000"/>
+              </a:lnSpc>
+              <a:buAutoNum type="arabicPeriod" startAt="3"/>
+            </a:pPr>
+            <a:r>
+              <a:rPr lang="en-US" sz="2400" dirty="0" smtClean="0"/>
+              <a:t>Model Architecture:</a:t>
+            </a:r>
+          </a:p>
+          <a:p>
+            <a:pPr lvl="1">
+              <a:lnSpc>
+                <a:spcPct val="150000"/>
+              </a:lnSpc>
+            </a:pPr>
+            <a:r>
+              <a:rPr lang="en-US" sz="2400" dirty="0" smtClean="0"/>
+              <a:t>Primarily Focus on BERT and GPT-2 model.</a:t>
+            </a:r>
+          </a:p>
+          <a:p>
+            <a:pPr lvl="1">
+              <a:lnSpc>
+                <a:spcPct val="150000"/>
+              </a:lnSpc>
+            </a:pPr>
+            <a:r>
+              <a:rPr lang="en-US" sz="2400" dirty="0" smtClean="0"/>
+              <a:t>If possible explore other encoder-only and decoder-only transformer models.</a:t>
+            </a:r>
+          </a:p>
+          <a:p>
+            <a:pPr marL="0" indent="0">
+              <a:lnSpc>
+                <a:spcPct val="150000"/>
+              </a:lnSpc>
+              <a:buNone/>
+            </a:pPr>
+            <a:r>
+              <a:rPr lang="en-US" sz="2400" dirty="0" smtClean="0"/>
+              <a:t>4. Feature Extraction and Hybrid Approaches:</a:t>
+            </a:r>
+          </a:p>
+          <a:p>
+            <a:pPr lvl="1">
+              <a:lnSpc>
+                <a:spcPct val="150000"/>
+              </a:lnSpc>
+            </a:pPr>
+            <a:r>
+              <a:rPr lang="en-US" sz="2400" dirty="0" smtClean="0"/>
+              <a:t>Transformer models are self-sufficient and don’t necessarily require external features.</a:t>
+            </a:r>
+          </a:p>
+        </p:txBody>
+      </p:sp>
+    </p:spTree>
+    <p:extLst>
+      <p:ext uri="{BB962C8B-B14F-4D97-AF65-F5344CB8AC3E}">
+        <p14:creationId xmlns:p14="http://schemas.microsoft.com/office/powerpoint/2010/main" val="48312669"/>
+      </p:ext>
+    </p:extLst>
+  </p:cSld>
+  <p:clrMapOvr>
+    <a:masterClrMapping/>
+  </p:clrMapOvr>
+  <p:timing>
+    <p:tnLst>
+      <p:par>
+        <p:cTn id="1" dur="indefinite" restart="never" nodeType="tmRoot"/>
+      </p:par>
+    </p:tnLst>
+  </p:timing>
+</p:sld>
+</file>
+
+<file path=ppt/slides/slide16.xml><?xml version="1.0" encoding="utf-8"?>
+<p:sld xmlns:a="http://schemas.openxmlformats.org/drawingml/2006/main" xmlns:r="http://schemas.openxmlformats.org/officeDocument/2006/relationships" xmlns:p="http://schemas.openxmlformats.org/presentationml/2006/main">
+  <p:cSld>
+    <p:spTree>
+      <p:nvGrpSpPr>
+        <p:cNvPr id="1" name=""/>
+        <p:cNvGrpSpPr/>
+        <p:nvPr/>
+      </p:nvGrpSpPr>
+      <p:grpSpPr>
+        <a:xfrm>
+          <a:off x="0" y="0"/>
+          <a:ext cx="0" cy="0"/>
+          <a:chOff x="0" y="0"/>
+          <a:chExt cx="0" cy="0"/>
+        </a:xfrm>
+      </p:grpSpPr>
+      <p:sp>
+        <p:nvSpPr>
+          <p:cNvPr id="2" name="Title 1"/>
+          <p:cNvSpPr>
+            <a:spLocks noGrp="1"/>
+          </p:cNvSpPr>
+          <p:nvPr>
+            <p:ph type="title"/>
+          </p:nvPr>
+        </p:nvSpPr>
+        <p:spPr>
+          <a:ln>
+            <a:noFill/>
+          </a:ln>
+          <a:effectLst/>
+          <a:scene3d>
+            <a:camera prst="orthographicFront">
+              <a:rot lat="0" lon="0" rev="0"/>
+            </a:camera>
+            <a:lightRig rig="chilly" dir="t">
+              <a:rot lat="0" lon="0" rev="18480000"/>
+            </a:lightRig>
+          </a:scene3d>
+          <a:sp3d prstMaterial="clear">
+            <a:bevelT h="63500"/>
+          </a:sp3d>
+        </p:spPr>
+        <p:style>
+          <a:lnRef idx="0">
+            <a:schemeClr val="accent6"/>
+          </a:lnRef>
+          <a:fillRef idx="3">
+            <a:schemeClr val="accent6"/>
+          </a:fillRef>
+          <a:effectRef idx="3">
+            <a:schemeClr val="accent6"/>
+          </a:effectRef>
+          <a:fontRef idx="minor">
+            <a:schemeClr val="lt1"/>
+          </a:fontRef>
+        </p:style>
+        <p:txBody>
+          <a:bodyPr/>
+          <a:lstStyle/>
+          <a:p>
+            <a:r>
+              <a:rPr lang="en-US" cap="none" dirty="0" smtClean="0">
+                <a:latin typeface="Calibri" panose="020F0502020204030204" pitchFamily="34" charset="0"/>
+                <a:ea typeface="Calibri" panose="020F0502020204030204" pitchFamily="34" charset="0"/>
+                <a:cs typeface="Calibri" panose="020F0502020204030204" pitchFamily="34" charset="0"/>
+              </a:rPr>
+              <a:t>Research Methodology</a:t>
+            </a:r>
+            <a:endParaRPr lang="en-US" cap="none" dirty="0">
+              <a:latin typeface="Calibri" panose="020F0502020204030204" pitchFamily="34" charset="0"/>
+              <a:ea typeface="Calibri" panose="020F0502020204030204" pitchFamily="34" charset="0"/>
+              <a:cs typeface="Calibri" panose="020F0502020204030204" pitchFamily="34" charset="0"/>
+            </a:endParaRPr>
+          </a:p>
+        </p:txBody>
+      </p:sp>
+      <p:sp>
+        <p:nvSpPr>
+          <p:cNvPr id="3" name="Content Placeholder 2"/>
+          <p:cNvSpPr>
+            <a:spLocks noGrp="1"/>
+          </p:cNvSpPr>
+          <p:nvPr>
+            <p:ph idx="1"/>
+          </p:nvPr>
+        </p:nvSpPr>
+        <p:spPr>
+          <a:xfrm>
+            <a:off x="685800" y="2194560"/>
+            <a:ext cx="11078570" cy="4251733"/>
+          </a:xfrm>
+        </p:spPr>
+        <p:txBody>
+          <a:bodyPr>
+            <a:noAutofit/>
+          </a:bodyPr>
+          <a:lstStyle/>
+          <a:p>
+            <a:pPr marL="0" indent="0">
+              <a:lnSpc>
+                <a:spcPct val="150000"/>
+              </a:lnSpc>
+              <a:buNone/>
+            </a:pPr>
+            <a:r>
+              <a:rPr lang="en-US" sz="2000" dirty="0" smtClean="0"/>
+              <a:t>5. Pre-training and Fine-Tuning:</a:t>
+            </a:r>
+          </a:p>
+          <a:p>
+            <a:pPr lvl="1">
+              <a:lnSpc>
+                <a:spcPct val="150000"/>
+              </a:lnSpc>
+            </a:pPr>
+            <a:r>
+              <a:rPr lang="en-US" dirty="0" smtClean="0"/>
+              <a:t>Available transformer-based Nepal Language models will be used, otherwise, a pre-training of a language model will be attempted.</a:t>
+            </a:r>
+          </a:p>
+          <a:p>
+            <a:pPr lvl="1">
+              <a:lnSpc>
+                <a:spcPct val="150000"/>
+              </a:lnSpc>
+            </a:pPr>
+            <a:r>
+              <a:rPr lang="en-US" dirty="0" smtClean="0"/>
+              <a:t>Two available Nepali language models are named as </a:t>
+            </a:r>
+            <a:r>
+              <a:rPr lang="en-US" dirty="0" err="1" smtClean="0"/>
+              <a:t>NepBERTa</a:t>
+            </a:r>
+            <a:r>
+              <a:rPr lang="en-US" dirty="0" smtClean="0"/>
+              <a:t> and </a:t>
+            </a:r>
+            <a:r>
+              <a:rPr lang="en-US" dirty="0" err="1" smtClean="0"/>
+              <a:t>NepaliBERT</a:t>
+            </a:r>
+            <a:r>
+              <a:rPr lang="en-US" dirty="0" smtClean="0"/>
+              <a:t>.</a:t>
+            </a:r>
+          </a:p>
+          <a:p>
+            <a:pPr lvl="1">
+              <a:lnSpc>
+                <a:spcPct val="150000"/>
+              </a:lnSpc>
+            </a:pPr>
+            <a:r>
+              <a:rPr lang="en-US" dirty="0" smtClean="0"/>
+              <a:t>Then the fine-tuning of these models will be done for SA.	</a:t>
+            </a:r>
+          </a:p>
+          <a:p>
+            <a:pPr marL="0" indent="0">
+              <a:lnSpc>
+                <a:spcPct val="150000"/>
+              </a:lnSpc>
+              <a:buNone/>
+            </a:pPr>
+            <a:r>
+              <a:rPr lang="en-US" sz="2000" dirty="0" smtClean="0"/>
+              <a:t>6. Evaluation:</a:t>
+            </a:r>
+          </a:p>
+          <a:p>
+            <a:pPr lvl="1">
+              <a:lnSpc>
+                <a:spcPct val="150000"/>
+              </a:lnSpc>
+            </a:pPr>
+            <a:r>
+              <a:rPr lang="en-US" dirty="0" smtClean="0"/>
+              <a:t>Performance evaluation of the fine-tuned models will be done using evaluation metrics like F1-score, accuracy, etc.</a:t>
+            </a:r>
+          </a:p>
+        </p:txBody>
+      </p:sp>
+    </p:spTree>
+    <p:extLst>
+      <p:ext uri="{BB962C8B-B14F-4D97-AF65-F5344CB8AC3E}">
+        <p14:creationId xmlns:p14="http://schemas.microsoft.com/office/powerpoint/2010/main" val="3977305051"/>
+      </p:ext>
+    </p:extLst>
+  </p:cSld>
+  <p:clrMapOvr>
+    <a:masterClrMapping/>
+  </p:clrMapOvr>
+  <p:timing>
+    <p:tnLst>
+      <p:par>
+        <p:cTn id="1" dur="indefinite" restart="never" nodeType="tmRoot"/>
+      </p:par>
+    </p:tnLst>
+  </p:timing>
+</p:sld>
+</file>
+
+<file path=ppt/slides/slide17.xml><?xml version="1.0" encoding="utf-8"?>
+<p:sld xmlns:a="http://schemas.openxmlformats.org/drawingml/2006/main" xmlns:r="http://schemas.openxmlformats.org/officeDocument/2006/relationships" xmlns:p="http://schemas.openxmlformats.org/presentationml/2006/main">
+  <p:cSld>
+    <p:spTree>
+      <p:nvGrpSpPr>
+        <p:cNvPr id="1" name=""/>
+        <p:cNvGrpSpPr/>
+        <p:nvPr/>
+      </p:nvGrpSpPr>
+      <p:grpSpPr>
+        <a:xfrm>
+          <a:off x="0" y="0"/>
+          <a:ext cx="0" cy="0"/>
+          <a:chOff x="0" y="0"/>
+          <a:chExt cx="0" cy="0"/>
+        </a:xfrm>
+      </p:grpSpPr>
+      <p:sp>
+        <p:nvSpPr>
+          <p:cNvPr id="2" name="Title 1"/>
+          <p:cNvSpPr>
+            <a:spLocks noGrp="1"/>
+          </p:cNvSpPr>
+          <p:nvPr>
+            <p:ph type="title"/>
+          </p:nvPr>
+        </p:nvSpPr>
+        <p:spPr>
+          <a:ln>
+            <a:noFill/>
+          </a:ln>
+          <a:effectLst/>
+          <a:scene3d>
+            <a:camera prst="orthographicFront">
+              <a:rot lat="0" lon="0" rev="0"/>
+            </a:camera>
+            <a:lightRig rig="chilly" dir="t">
+              <a:rot lat="0" lon="0" rev="18480000"/>
+            </a:lightRig>
+          </a:scene3d>
+          <a:sp3d prstMaterial="clear">
+            <a:bevelT h="63500"/>
+          </a:sp3d>
+        </p:spPr>
+        <p:style>
+          <a:lnRef idx="0">
+            <a:schemeClr val="accent6"/>
+          </a:lnRef>
+          <a:fillRef idx="3">
+            <a:schemeClr val="accent6"/>
+          </a:fillRef>
+          <a:effectRef idx="3">
+            <a:schemeClr val="accent6"/>
+          </a:effectRef>
+          <a:fontRef idx="minor">
+            <a:schemeClr val="lt1"/>
+          </a:fontRef>
+        </p:style>
+        <p:txBody>
+          <a:bodyPr/>
+          <a:lstStyle/>
+          <a:p>
+            <a:r>
+              <a:rPr lang="en-US" cap="none" dirty="0" smtClean="0">
+                <a:latin typeface="Calibri" panose="020F0502020204030204" pitchFamily="34" charset="0"/>
+                <a:ea typeface="Calibri" panose="020F0502020204030204" pitchFamily="34" charset="0"/>
+                <a:cs typeface="Calibri" panose="020F0502020204030204" pitchFamily="34" charset="0"/>
+              </a:rPr>
+              <a:t>Expected Outcome</a:t>
+            </a:r>
+            <a:endParaRPr lang="en-US" cap="none" dirty="0">
+              <a:latin typeface="Calibri" panose="020F0502020204030204" pitchFamily="34" charset="0"/>
+              <a:ea typeface="Calibri" panose="020F0502020204030204" pitchFamily="34" charset="0"/>
+              <a:cs typeface="Calibri" panose="020F0502020204030204" pitchFamily="34" charset="0"/>
+            </a:endParaRPr>
+          </a:p>
+        </p:txBody>
+      </p:sp>
+      <p:sp>
+        <p:nvSpPr>
+          <p:cNvPr id="3" name="Content Placeholder 2"/>
+          <p:cNvSpPr>
+            <a:spLocks noGrp="1"/>
+          </p:cNvSpPr>
+          <p:nvPr>
+            <p:ph idx="1"/>
+          </p:nvPr>
+        </p:nvSpPr>
+        <p:spPr>
+          <a:xfrm>
+            <a:off x="685800" y="2194560"/>
+            <a:ext cx="11078570" cy="4251733"/>
+          </a:xfrm>
+        </p:spPr>
+        <p:txBody>
+          <a:bodyPr>
+            <a:noAutofit/>
+          </a:bodyPr>
+          <a:lstStyle/>
+          <a:p>
+            <a:pPr>
+              <a:lnSpc>
+                <a:spcPct val="150000"/>
+              </a:lnSpc>
+            </a:pPr>
+            <a:r>
+              <a:rPr lang="en-US" dirty="0" smtClean="0"/>
+              <a:t>Analysis of BERT and GPT model on sentiment analysis of Nepali text.</a:t>
+            </a:r>
+          </a:p>
+        </p:txBody>
+      </p:sp>
+    </p:spTree>
+    <p:extLst>
+      <p:ext uri="{BB962C8B-B14F-4D97-AF65-F5344CB8AC3E}">
+        <p14:creationId xmlns:p14="http://schemas.microsoft.com/office/powerpoint/2010/main" val="3462545534"/>
+      </p:ext>
+    </p:extLst>
+  </p:cSld>
+  <p:clrMapOvr>
+    <a:masterClrMapping/>
+  </p:clrMapOvr>
+  <p:timing>
+    <p:tnLst>
+      <p:par>
+        <p:cTn id="1" dur="indefinite" restart="never" nodeType="tmRoot"/>
+      </p:par>
+    </p:tnLst>
+  </p:timing>
+</p:sld>
+</file>
+
+<file path=ppt/slides/slide18.xml><?xml version="1.0" encoding="utf-8"?>
+<p:sld xmlns:a="http://schemas.openxmlformats.org/drawingml/2006/main" xmlns:r="http://schemas.openxmlformats.org/officeDocument/2006/relationships" xmlns:p="http://schemas.openxmlformats.org/presentationml/2006/main">
+  <p:cSld>
+    <p:spTree>
+      <p:nvGrpSpPr>
+        <p:cNvPr id="1" name=""/>
+        <p:cNvGrpSpPr/>
+        <p:nvPr/>
+      </p:nvGrpSpPr>
+      <p:grpSpPr>
+        <a:xfrm>
+          <a:off x="0" y="0"/>
+          <a:ext cx="0" cy="0"/>
+          <a:chOff x="0" y="0"/>
+          <a:chExt cx="0" cy="0"/>
+        </a:xfrm>
+      </p:grpSpPr>
+      <p:sp>
+        <p:nvSpPr>
+          <p:cNvPr id="2" name="Title 1"/>
+          <p:cNvSpPr>
+            <a:spLocks noGrp="1"/>
+          </p:cNvSpPr>
+          <p:nvPr>
+            <p:ph type="title"/>
+          </p:nvPr>
+        </p:nvSpPr>
+        <p:spPr>
+          <a:xfrm>
+            <a:off x="2895600" y="227561"/>
+            <a:ext cx="8610600" cy="695937"/>
+          </a:xfrm>
+          <a:ln>
+            <a:noFill/>
+          </a:ln>
+          <a:effectLst/>
+          <a:scene3d>
+            <a:camera prst="orthographicFront">
+              <a:rot lat="0" lon="0" rev="0"/>
+            </a:camera>
+            <a:lightRig rig="chilly" dir="t">
+              <a:rot lat="0" lon="0" rev="18480000"/>
+            </a:lightRig>
+          </a:scene3d>
+          <a:sp3d prstMaterial="clear">
+            <a:bevelT h="63500"/>
+          </a:sp3d>
+        </p:spPr>
+        <p:style>
+          <a:lnRef idx="0">
+            <a:schemeClr val="accent6"/>
+          </a:lnRef>
+          <a:fillRef idx="3">
+            <a:schemeClr val="accent6"/>
+          </a:fillRef>
+          <a:effectRef idx="3">
+            <a:schemeClr val="accent6"/>
+          </a:effectRef>
+          <a:fontRef idx="minor">
+            <a:schemeClr val="lt1"/>
+          </a:fontRef>
+        </p:style>
+        <p:txBody>
+          <a:bodyPr/>
+          <a:lstStyle/>
+          <a:p>
+            <a:r>
+              <a:rPr lang="en-US" cap="none" dirty="0" smtClean="0">
+                <a:latin typeface="Calibri" panose="020F0502020204030204" pitchFamily="34" charset="0"/>
+                <a:ea typeface="Calibri" panose="020F0502020204030204" pitchFamily="34" charset="0"/>
+                <a:cs typeface="Calibri" panose="020F0502020204030204" pitchFamily="34" charset="0"/>
+              </a:rPr>
+              <a:t>Time Schedule</a:t>
+            </a:r>
+            <a:endParaRPr lang="en-US" cap="none" dirty="0">
+              <a:latin typeface="Calibri" panose="020F0502020204030204" pitchFamily="34" charset="0"/>
+              <a:ea typeface="Calibri" panose="020F0502020204030204" pitchFamily="34" charset="0"/>
+              <a:cs typeface="Calibri" panose="020F0502020204030204" pitchFamily="34" charset="0"/>
+            </a:endParaRPr>
+          </a:p>
+        </p:txBody>
+      </p:sp>
+      <p:pic>
+        <p:nvPicPr>
+          <p:cNvPr id="4" name="Content Placeholder 3"/>
+          <p:cNvPicPr>
+            <a:picLocks noGrp="1" noChangeAspect="1"/>
+          </p:cNvPicPr>
+          <p:nvPr>
+            <p:ph idx="1"/>
+          </p:nvPr>
+        </p:nvPicPr>
+        <p:blipFill>
+          <a:blip r:embed="rId2">
+            <a:extLst>
+              <a:ext uri="{28A0092B-C50C-407E-A947-70E740481C1C}">
+                <a14:useLocalDpi xmlns:a14="http://schemas.microsoft.com/office/drawing/2010/main" val="0"/>
+              </a:ext>
+            </a:extLst>
+          </a:blip>
+          <a:stretch>
+            <a:fillRect/>
+          </a:stretch>
+        </p:blipFill>
+        <p:spPr>
+          <a:xfrm>
+            <a:off x="9098" y="1483056"/>
+            <a:ext cx="12171118" cy="4208060"/>
+          </a:xfrm>
+        </p:spPr>
+      </p:pic>
+      <p:sp>
+        <p:nvSpPr>
+          <p:cNvPr id="5" name="TextBox 4"/>
+          <p:cNvSpPr txBox="1"/>
+          <p:nvPr/>
+        </p:nvSpPr>
+        <p:spPr>
+          <a:xfrm>
+            <a:off x="4217158" y="5795750"/>
+            <a:ext cx="3448335" cy="369332"/>
+          </a:xfrm>
+          <a:prstGeom prst="rect">
+            <a:avLst/>
+          </a:prstGeom>
+          <a:noFill/>
+        </p:spPr>
+        <p:txBody>
+          <a:bodyPr wrap="square" rtlCol="0">
+            <a:spAutoFit/>
+          </a:bodyPr>
+          <a:lstStyle/>
+          <a:p>
+            <a:pPr algn="ctr"/>
+            <a:r>
+              <a:rPr lang="en-US" dirty="0" smtClean="0"/>
+              <a:t>Gantt Chart</a:t>
+            </a:r>
+            <a:endParaRPr lang="en-US" dirty="0"/>
+          </a:p>
+        </p:txBody>
+      </p:sp>
+    </p:spTree>
+    <p:extLst>
+      <p:ext uri="{BB962C8B-B14F-4D97-AF65-F5344CB8AC3E}">
+        <p14:creationId xmlns:p14="http://schemas.microsoft.com/office/powerpoint/2010/main" val="699443980"/>
+      </p:ext>
+    </p:extLst>
+  </p:cSld>
+  <p:clrMapOvr>
+    <a:masterClrMapping/>
+  </p:clrMapOvr>
+  <p:timing>
+    <p:tnLst>
+      <p:par>
+        <p:cTn id="1" dur="indefinite" restart="never" nodeType="tmRoot"/>
+      </p:par>
+    </p:tnLst>
+  </p:timing>
+</p:sld>
+</file>
+
+<file path=ppt/slides/slide19.xml><?xml version="1.0" encoding="utf-8"?>
+<p:sld xmlns:a="http://schemas.openxmlformats.org/drawingml/2006/main" xmlns:r="http://schemas.openxmlformats.org/officeDocument/2006/relationships" xmlns:p="http://schemas.openxmlformats.org/presentationml/2006/main">
+  <p:cSld>
+    <p:spTree>
+      <p:nvGrpSpPr>
+        <p:cNvPr id="1" name=""/>
+        <p:cNvGrpSpPr/>
+        <p:nvPr/>
+      </p:nvGrpSpPr>
+      <p:grpSpPr>
+        <a:xfrm>
+          <a:off x="0" y="0"/>
+          <a:ext cx="0" cy="0"/>
+          <a:chOff x="0" y="0"/>
+          <a:chExt cx="0" cy="0"/>
+        </a:xfrm>
+      </p:grpSpPr>
+      <p:sp>
+        <p:nvSpPr>
+          <p:cNvPr id="2" name="Title 1"/>
+          <p:cNvSpPr>
+            <a:spLocks noGrp="1"/>
+          </p:cNvSpPr>
+          <p:nvPr>
+            <p:ph type="title"/>
+          </p:nvPr>
+        </p:nvSpPr>
+        <p:spPr>
+          <a:xfrm>
+            <a:off x="2927445" y="209364"/>
+            <a:ext cx="8610600" cy="591305"/>
+          </a:xfrm>
+          <a:ln>
+            <a:noFill/>
+          </a:ln>
+          <a:effectLst/>
+          <a:scene3d>
+            <a:camera prst="orthographicFront">
+              <a:rot lat="0" lon="0" rev="0"/>
+            </a:camera>
+            <a:lightRig rig="chilly" dir="t">
+              <a:rot lat="0" lon="0" rev="18480000"/>
+            </a:lightRig>
+          </a:scene3d>
+          <a:sp3d prstMaterial="clear">
+            <a:bevelT h="63500"/>
+          </a:sp3d>
+        </p:spPr>
+        <p:style>
+          <a:lnRef idx="0">
+            <a:schemeClr val="accent6"/>
+          </a:lnRef>
+          <a:fillRef idx="3">
+            <a:schemeClr val="accent6"/>
+          </a:fillRef>
+          <a:effectRef idx="3">
+            <a:schemeClr val="accent6"/>
+          </a:effectRef>
+          <a:fontRef idx="minor">
+            <a:schemeClr val="lt1"/>
+          </a:fontRef>
+        </p:style>
+        <p:txBody>
+          <a:bodyPr>
+            <a:normAutofit fontScale="90000"/>
+          </a:bodyPr>
+          <a:lstStyle/>
+          <a:p>
+            <a:r>
+              <a:rPr lang="en-US" cap="none" dirty="0" smtClean="0">
+                <a:latin typeface="Calibri" panose="020F0502020204030204" pitchFamily="34" charset="0"/>
+                <a:ea typeface="Calibri" panose="020F0502020204030204" pitchFamily="34" charset="0"/>
+                <a:cs typeface="Calibri" panose="020F0502020204030204" pitchFamily="34" charset="0"/>
+              </a:rPr>
+              <a:t>References</a:t>
+            </a:r>
+            <a:endParaRPr lang="en-US" cap="none" dirty="0">
+              <a:latin typeface="Calibri" panose="020F0502020204030204" pitchFamily="34" charset="0"/>
+              <a:ea typeface="Calibri" panose="020F0502020204030204" pitchFamily="34" charset="0"/>
+              <a:cs typeface="Calibri" panose="020F0502020204030204" pitchFamily="34" charset="0"/>
+            </a:endParaRPr>
+          </a:p>
+        </p:txBody>
+      </p:sp>
+      <p:sp>
+        <p:nvSpPr>
+          <p:cNvPr id="3" name="Content Placeholder 2"/>
+          <p:cNvSpPr>
+            <a:spLocks noGrp="1"/>
+          </p:cNvSpPr>
+          <p:nvPr>
+            <p:ph idx="1"/>
+          </p:nvPr>
+        </p:nvSpPr>
+        <p:spPr>
+          <a:xfrm>
+            <a:off x="658504" y="1184625"/>
+            <a:ext cx="10820400" cy="5416342"/>
+          </a:xfrm>
+        </p:spPr>
+        <p:txBody>
+          <a:bodyPr>
+            <a:normAutofit/>
+          </a:bodyPr>
+          <a:lstStyle/>
+          <a:p>
+            <a:pPr marL="342900" indent="-342900">
+              <a:lnSpc>
+                <a:spcPct val="150000"/>
+              </a:lnSpc>
+              <a:buFont typeface="+mj-lt"/>
+              <a:buAutoNum type="arabicPeriod"/>
+            </a:pPr>
+            <a:r>
+              <a:rPr lang="en-US" sz="1800" dirty="0"/>
+              <a:t>A. </a:t>
+            </a:r>
+            <a:r>
+              <a:rPr lang="en-US" sz="1800" dirty="0" err="1"/>
+              <a:t>Vaswani</a:t>
+            </a:r>
+            <a:r>
+              <a:rPr lang="en-US" sz="1800" dirty="0"/>
+              <a:t>, N. </a:t>
+            </a:r>
+            <a:r>
+              <a:rPr lang="en-US" sz="1800" dirty="0" err="1"/>
+              <a:t>Shazeer</a:t>
+            </a:r>
+            <a:r>
+              <a:rPr lang="en-US" sz="1800" dirty="0"/>
+              <a:t>, N. </a:t>
+            </a:r>
+            <a:r>
+              <a:rPr lang="en-US" sz="1800" dirty="0" err="1"/>
+              <a:t>Parmar</a:t>
+            </a:r>
+            <a:r>
+              <a:rPr lang="en-US" sz="1800" dirty="0"/>
+              <a:t>, J. </a:t>
+            </a:r>
+            <a:r>
+              <a:rPr lang="en-US" sz="1800" dirty="0" err="1"/>
+              <a:t>Uszkoreit</a:t>
+            </a:r>
+            <a:r>
+              <a:rPr lang="en-US" sz="1800" dirty="0"/>
+              <a:t>, L. Jones, N. A. Gomez, L. Kaiser and </a:t>
+            </a:r>
+            <a:r>
+              <a:rPr lang="en-US" sz="1800" dirty="0" err="1" smtClean="0"/>
+              <a:t>I.Polosukhin</a:t>
+            </a:r>
+            <a:r>
+              <a:rPr lang="en-US" sz="1800" dirty="0"/>
+              <a:t>, "Attention Is All You Need," in </a:t>
+            </a:r>
+            <a:r>
+              <a:rPr lang="en-US" sz="1800" i="1" dirty="0"/>
+              <a:t>31st Conference on Neural </a:t>
+            </a:r>
+            <a:r>
+              <a:rPr lang="en-US" sz="1800" i="1" dirty="0" smtClean="0"/>
+              <a:t>Information Processing </a:t>
+            </a:r>
+            <a:r>
+              <a:rPr lang="en-US" sz="1800" i="1" dirty="0"/>
+              <a:t>Systems (NIPS 2017)</a:t>
+            </a:r>
+            <a:r>
+              <a:rPr lang="en-US" sz="1800" dirty="0"/>
+              <a:t>, Long Beach, CA, USA, </a:t>
+            </a:r>
+            <a:r>
+              <a:rPr lang="en-US" sz="1800" dirty="0" smtClean="0"/>
+              <a:t>2017</a:t>
+            </a:r>
+          </a:p>
+          <a:p>
+            <a:pPr marL="342900" indent="-342900">
+              <a:lnSpc>
+                <a:spcPct val="150000"/>
+              </a:lnSpc>
+              <a:buFont typeface="+mj-lt"/>
+              <a:buAutoNum type="arabicPeriod"/>
+            </a:pPr>
+            <a:endParaRPr lang="en-US" sz="1800" dirty="0"/>
+          </a:p>
+        </p:txBody>
+      </p:sp>
+    </p:spTree>
+    <p:extLst>
+      <p:ext uri="{BB962C8B-B14F-4D97-AF65-F5344CB8AC3E}">
+        <p14:creationId xmlns:p14="http://schemas.microsoft.com/office/powerpoint/2010/main" val="1034563996"/>
       </p:ext>
     </p:extLst>
   </p:cSld>
@@ -6167,81 +8257,44 @@
           <a:p>
             <a:r>
               <a:rPr lang="en-US" b="1" cap="none" dirty="0" smtClean="0">
-                <a:ln/>
-                <a:pattFill prst="dkUpDiag">
+                <a:ln w="12700">
+                  <a:solidFill>
+                    <a:schemeClr val="accent5"/>
+                  </a:solidFill>
+                  <a:prstDash val="solid"/>
+                </a:ln>
+                <a:pattFill prst="ltDnDiag">
                   <a:fgClr>
-                    <a:schemeClr val="bg1">
-                      <a:lumMod val="50000"/>
+                    <a:schemeClr val="accent5">
+                      <a:lumMod val="60000"/>
+                      <a:lumOff val="40000"/>
                     </a:schemeClr>
                   </a:fgClr>
                   <a:bgClr>
-                    <a:schemeClr val="tx1">
-                      <a:lumMod val="75000"/>
-                      <a:lumOff val="25000"/>
-                    </a:schemeClr>
+                    <a:schemeClr val="bg1"/>
                   </a:bgClr>
                 </a:pattFill>
-                <a:effectLst>
-                  <a:outerShdw blurRad="38100" dist="19050" dir="2700000" algn="tl" rotWithShape="0">
-                    <a:schemeClr val="dk1">
-                      <a:lumMod val="50000"/>
-                      <a:alpha val="40000"/>
-                    </a:schemeClr>
-                  </a:outerShdw>
-                </a:effectLst>
               </a:rPr>
-              <a:t>Sentiment </a:t>
-            </a:r>
-            <a:r>
-              <a:rPr lang="en-US" b="1" cap="none" dirty="0" smtClean="0">
-                <a:ln/>
-                <a:pattFill prst="dkUpDiag">
-                  <a:fgClr>
-                    <a:schemeClr val="bg1">
-                      <a:lumMod val="50000"/>
-                    </a:schemeClr>
-                  </a:fgClr>
-                  <a:bgClr>
-                    <a:schemeClr val="tx1">
-                      <a:lumMod val="75000"/>
-                      <a:lumOff val="25000"/>
-                    </a:schemeClr>
-                  </a:bgClr>
-                </a:pattFill>
-                <a:effectLst>
-                  <a:outerShdw blurRad="38100" dist="19050" dir="2700000" algn="tl" rotWithShape="0">
-                    <a:schemeClr val="dk1">
-                      <a:lumMod val="50000"/>
-                      <a:alpha val="40000"/>
-                    </a:schemeClr>
-                  </a:outerShdw>
-                </a:effectLst>
-              </a:rPr>
-              <a:t>Analysis (SA)</a:t>
+              <a:t>Sentiment Analysis (SA)</a:t>
             </a:r>
             <a:endParaRPr lang="en-US" b="1" cap="none" dirty="0">
-              <a:ln/>
-              <a:pattFill prst="dkUpDiag">
+              <a:ln w="12700">
+                <a:solidFill>
+                  <a:schemeClr val="accent5"/>
+                </a:solidFill>
+                <a:prstDash val="solid"/>
+              </a:ln>
+              <a:pattFill prst="ltDnDiag">
                 <a:fgClr>
-                  <a:schemeClr val="bg1">
-                    <a:lumMod val="50000"/>
+                  <a:schemeClr val="accent5">
+                    <a:lumMod val="60000"/>
+                    <a:lumOff val="40000"/>
                   </a:schemeClr>
                 </a:fgClr>
                 <a:bgClr>
-                  <a:schemeClr val="tx1">
-                    <a:lumMod val="75000"/>
-                    <a:lumOff val="25000"/>
-                  </a:schemeClr>
+                  <a:schemeClr val="bg1"/>
                 </a:bgClr>
               </a:pattFill>
-              <a:effectLst>
-                <a:outerShdw blurRad="38100" dist="19050" dir="2700000" algn="tl" rotWithShape="0">
-                  <a:schemeClr val="dk1">
-                    <a:lumMod val="50000"/>
-                    <a:alpha val="40000"/>
-                  </a:schemeClr>
-                </a:outerShdw>
-              </a:effectLst>
             </a:endParaRPr>
           </a:p>
         </p:txBody>
@@ -6268,15 +8321,23 @@
             </a:pPr>
             <a:r>
               <a:rPr lang="en-US" dirty="0"/>
-              <a:t>Sentiment Analysis (SA) is the task of identifying and extracting the polarity or emotion </a:t>
+              <a:t>Sentiment Analysis (SA) is the task of identifying and extracting the </a:t>
             </a:r>
             <a:r>
               <a:rPr lang="en-US" dirty="0" smtClean="0"/>
-              <a:t>and subjective </a:t>
+              <a:t>polarity (positive, negative, and neutral) </a:t>
             </a:r>
             <a:r>
               <a:rPr lang="en-US" dirty="0"/>
-              <a:t>opinions in natural language texts. </a:t>
+              <a:t>or </a:t>
+            </a:r>
+            <a:r>
+              <a:rPr lang="en-US" dirty="0" smtClean="0"/>
+              <a:t>emotion (happy, sad, angry, etc.) and subjective opinions </a:t>
+            </a:r>
+            <a:r>
+              <a:rPr lang="en-US" dirty="0"/>
+              <a:t>in natural language texts. </a:t>
             </a:r>
             <a:endParaRPr lang="en-US" dirty="0" smtClean="0"/>
           </a:p>
@@ -6395,6 +8456,16 @@
           <a:p>
             <a:r>
               <a:rPr lang="en-US" cap="none" dirty="0">
+                <a:ln>
+                  <a:solidFill>
+                    <a:schemeClr val="accent5">
+                      <a:lumMod val="75000"/>
+                    </a:schemeClr>
+                  </a:solidFill>
+                </a:ln>
+                <a:solidFill>
+                  <a:schemeClr val="accent5"/>
+                </a:solidFill>
                 <a:latin typeface="Calibri" panose="020F0502020204030204" pitchFamily="34" charset="0"/>
                 <a:ea typeface="Calibri" panose="020F0502020204030204" pitchFamily="34" charset="0"/>
                 <a:cs typeface="Calibri" panose="020F0502020204030204" pitchFamily="34" charset="0"/>
@@ -6403,6 +8474,16 @@
             </a:r>
             <a:r>
               <a:rPr lang="en-US" cap="none" dirty="0">
+                <a:ln>
+                  <a:solidFill>
+                    <a:schemeClr val="accent5">
+                      <a:lumMod val="75000"/>
+                    </a:schemeClr>
+                  </a:solidFill>
+                </a:ln>
+                <a:solidFill>
+                  <a:schemeClr val="accent5"/>
+                </a:solidFill>
                 <a:latin typeface="Preeti" pitchFamily="2" charset="0"/>
                 <a:ea typeface="Calibri" panose="020F0502020204030204" pitchFamily="34" charset="0"/>
                 <a:cs typeface="Calibri" panose="020F0502020204030204" pitchFamily="34" charset="0"/>
@@ -6411,6 +8492,16 @@
             </a:r>
             <a:r>
               <a:rPr lang="en-US" cap="none" dirty="0" err="1">
+                <a:ln>
+                  <a:solidFill>
+                    <a:schemeClr val="accent5">
+                      <a:lumMod val="75000"/>
+                    </a:schemeClr>
+                  </a:solidFill>
+                </a:ln>
+                <a:solidFill>
+                  <a:schemeClr val="accent5"/>
+                </a:solidFill>
                 <a:latin typeface="Preeti" pitchFamily="2" charset="0"/>
                 <a:ea typeface="Calibri" panose="020F0502020204030204" pitchFamily="34" charset="0"/>
                 <a:cs typeface="Calibri" panose="020F0502020204030204" pitchFamily="34" charset="0"/>
@@ -6419,6 +8510,16 @@
             </a:r>
             <a:r>
               <a:rPr lang="en-US" cap="none" dirty="0">
+                <a:ln>
+                  <a:solidFill>
+                    <a:schemeClr val="accent5">
+                      <a:lumMod val="75000"/>
+                    </a:schemeClr>
+                  </a:solidFill>
+                </a:ln>
+                <a:solidFill>
+                  <a:schemeClr val="accent5"/>
+                </a:solidFill>
                 <a:latin typeface="Calibri" panose="020F0502020204030204" pitchFamily="34" charset="0"/>
                 <a:ea typeface="Calibri" panose="020F0502020204030204" pitchFamily="34" charset="0"/>
                 <a:cs typeface="Calibri" panose="020F0502020204030204" pitchFamily="34" charset="0"/>
@@ -6426,20 +8527,16 @@
               <a:t>?</a:t>
             </a:r>
             <a:endParaRPr lang="en-US" b="1" cap="none" dirty="0">
-              <a:ln/>
-              <a:pattFill prst="dkUpDiag">
-                <a:fgClr>
-                  <a:schemeClr val="bg1">
-                    <a:lumMod val="50000"/>
+              <a:ln>
+                <a:solidFill>
+                  <a:schemeClr val="accent5">
+                    <a:lumMod val="75000"/>
                   </a:schemeClr>
-                </a:fgClr>
-                <a:bgClr>
-                  <a:schemeClr val="tx1">
-                    <a:lumMod val="75000"/>
-                    <a:lumOff val="25000"/>
-                  </a:schemeClr>
-                </a:bgClr>
-              </a:pattFill>
+                </a:solidFill>
+              </a:ln>
+              <a:solidFill>
+                <a:schemeClr val="accent5"/>
+              </a:solidFill>
               <a:effectLst>
                 <a:outerShdw blurRad="38100" dist="19050" dir="2700000" algn="tl" rotWithShape="0">
                   <a:schemeClr val="dk1">
@@ -6487,11 +8584,11 @@
             </a:pPr>
             <a:r>
               <a:rPr lang="en-US" sz="2400" dirty="0"/>
-              <a:t>There is a growing number of people, businesses, and organizations that prefer the Devanagari script as the language of communication on social media platforms</a:t>
+              <a:t>A growing number of people, businesses, and organizations prefer the Devanagari script as the language of communication on social media platforms</a:t>
             </a:r>
             <a:r>
               <a:rPr lang="en-US" sz="2400" dirty="0" smtClean="0"/>
-              <a:t>. Just on Twitter, more than 20,000 tweets are made, in a day, in Devanagari (mixed).</a:t>
+              <a:t>. Just on Twitter, more than 20,000 tweets are made, in a day, in Devanagari (code-mixed).</a:t>
             </a:r>
           </a:p>
           <a:p>
@@ -6502,7 +8599,15 @@
             </a:pPr>
             <a:r>
               <a:rPr lang="en-US" sz="2400" dirty="0"/>
-              <a:t>However, there are very few transformer models that are trained on Nepali text datasets, thus a lack of support and tools for </a:t>
+              <a:t>However, </a:t>
+            </a:r>
+            <a:r>
+              <a:rPr lang="en-US" sz="2400" dirty="0" smtClean="0"/>
+              <a:t>very few transformer models are </a:t>
+            </a:r>
+            <a:r>
+              <a:rPr lang="en-US" sz="2400" dirty="0"/>
+              <a:t>available that are trained on Nepali text datasets, thus lacking support and tools for </a:t>
             </a:r>
             <a:r>
               <a:rPr lang="en-US" sz="2400" dirty="0" smtClean="0"/>
@@ -6607,12 +8712,14 @@
               <a:rPr lang="en-US" b="1" cap="none" dirty="0" smtClean="0">
                 <a:ln w="9525">
                   <a:solidFill>
-                    <a:schemeClr val="bg1"/>
+                    <a:schemeClr val="accent5">
+                      <a:lumMod val="75000"/>
+                    </a:schemeClr>
                   </a:solidFill>
                   <a:prstDash val="solid"/>
                 </a:ln>
                 <a:solidFill>
-                  <a:schemeClr val="tx1"/>
+                  <a:schemeClr val="accent5"/>
                 </a:solidFill>
                 <a:effectLst>
                   <a:outerShdw blurRad="12700" dist="38100" dir="2700000" algn="tl" rotWithShape="0">
@@ -6625,41 +8732,19 @@
                 <a:ea typeface="Calibri" panose="020F0502020204030204" pitchFamily="34" charset="0"/>
                 <a:cs typeface="Calibri" panose="020F0502020204030204" pitchFamily="34" charset="0"/>
               </a:rPr>
-              <a:t>Why </a:t>
-            </a:r>
-            <a:r>
-              <a:rPr lang="en-US" b="1" cap="none" dirty="0" smtClean="0">
-                <a:ln w="9525">
-                  <a:solidFill>
-                    <a:schemeClr val="bg1"/>
-                  </a:solidFill>
-                  <a:prstDash val="solid"/>
-                </a:ln>
-                <a:solidFill>
-                  <a:schemeClr val="tx1"/>
-                </a:solidFill>
-                <a:effectLst>
-                  <a:outerShdw blurRad="12700" dist="38100" dir="2700000" algn="tl" rotWithShape="0">
-                    <a:schemeClr val="bg1">
-                      <a:lumMod val="50000"/>
-                    </a:schemeClr>
-                  </a:outerShdw>
-                </a:effectLst>
-                <a:latin typeface="Calibri" panose="020F0502020204030204" pitchFamily="34" charset="0"/>
-                <a:ea typeface="Calibri" panose="020F0502020204030204" pitchFamily="34" charset="0"/>
-                <a:cs typeface="Calibri" panose="020F0502020204030204" pitchFamily="34" charset="0"/>
-              </a:rPr>
-              <a:t>Transformers?</a:t>
+              <a:t>Why Transformer?</a:t>
             </a:r>
             <a:endParaRPr lang="en-US" b="1" cap="none" dirty="0">
               <a:ln w="9525">
                 <a:solidFill>
-                  <a:schemeClr val="bg1"/>
+                  <a:schemeClr val="accent5">
+                    <a:lumMod val="75000"/>
+                  </a:schemeClr>
                 </a:solidFill>
                 <a:prstDash val="solid"/>
               </a:ln>
               <a:solidFill>
-                <a:schemeClr val="tx1"/>
+                <a:schemeClr val="accent5"/>
               </a:solidFill>
               <a:effectLst>
                 <a:outerShdw blurRad="12700" dist="38100" dir="2700000" algn="tl" rotWithShape="0">
@@ -6758,7 +8843,23 @@
             </a:r>
             <a:r>
               <a:rPr lang="en-US" dirty="0"/>
-              <a:t>bottleneck as RNNs couldn’t carry along long-range </a:t>
+              <a:t>bottleneck </a:t>
+            </a:r>
+            <a:r>
+              <a:rPr lang="en-US" dirty="0" smtClean="0"/>
+              <a:t>with RNNs as they </a:t>
+            </a:r>
+            <a:r>
+              <a:rPr lang="en-US" dirty="0"/>
+              <a:t>couldn’t carry </a:t>
+            </a:r>
+            <a:r>
+              <a:rPr lang="en-US" dirty="0" smtClean="0"/>
+              <a:t>along </a:t>
+            </a:r>
+            <a:r>
+              <a:rPr lang="en-US" dirty="0"/>
+              <a:t>long-range </a:t>
             </a:r>
             <a:r>
               <a:rPr lang="en-US" dirty="0" smtClean="0"/>
@@ -6772,16 +8873,17 @@
               </a:lnSpc>
             </a:pPr>
             <a:r>
+              <a:rPr lang="en-US" dirty="0" smtClean="0"/>
+              <a:t>The top 10 models in </a:t>
+            </a:r>
+            <a:r>
               <a:rPr lang="en-US" dirty="0"/>
-              <a:t>If we look at the trends, we see that this revolution has also reverberated from other domains like Computer Vision and Speech.</a:t>
-            </a:r>
-          </a:p>
-          <a:p>
-            <a:pPr>
-              <a:lnSpc>
-                <a:spcPct val="150000"/>
-              </a:lnSpc>
-            </a:pPr>
+              <a:t>the General Language Understanding Evaluation (</a:t>
+            </a:r>
+            <a:r>
+              <a:rPr lang="en-US" dirty="0" smtClean="0"/>
+              <a:t>GLUE) benchmark leaderboard are Transformer based models.</a:t>
+            </a:r>
             <a:endParaRPr lang="en-US" dirty="0"/>
           </a:p>
         </p:txBody>
@@ -6834,10 +8936,6 @@
           </p:nvPr>
         </p:nvSpPr>
         <p:spPr>
-          <a:xfrm>
-            <a:off x="3027529" y="122928"/>
-            <a:ext cx="8610600" cy="1293028"/>
-          </a:xfrm>
           <a:ln>
             <a:noFill/>
           </a:ln>
@@ -6874,13 +8972,47 @@
           <a:p>
             <a:r>
               <a:rPr lang="en-US" cap="none" dirty="0" smtClean="0">
+                <a:ln w="0">
+                  <a:solidFill>
+                    <a:schemeClr val="accent5">
+                      <a:lumMod val="75000"/>
+                    </a:schemeClr>
+                  </a:solidFill>
+                </a:ln>
+                <a:solidFill>
+                  <a:schemeClr val="accent5"/>
+                </a:solidFill>
+                <a:effectLst>
+                  <a:outerShdw blurRad="38100" dist="19050" dir="2700000" algn="tl" rotWithShape="0">
+                    <a:schemeClr val="dk1">
+                      <a:alpha val="40000"/>
+                    </a:schemeClr>
+                  </a:outerShdw>
+                </a:effectLst>
                 <a:latin typeface="Calibri" panose="020F0502020204030204" pitchFamily="34" charset="0"/>
                 <a:ea typeface="Calibri" panose="020F0502020204030204" pitchFamily="34" charset="0"/>
                 <a:cs typeface="Calibri" panose="020F0502020204030204" pitchFamily="34" charset="0"/>
               </a:rPr>
-              <a:t>How Transformers Work?</a:t>
+              <a:t>Objectives of the Study</a:t>
             </a:r>
             <a:endParaRPr lang="en-US" cap="none" dirty="0">
+              <a:ln w="0">
+                <a:solidFill>
+                  <a:schemeClr val="accent5">
+                    <a:lumMod val="75000"/>
+                  </a:schemeClr>
+                </a:solidFill>
+              </a:ln>
+              <a:solidFill>
+                <a:schemeClr val="accent5"/>
+              </a:solidFill>
+              <a:effectLst>
+                <a:outerShdw blurRad="38100" dist="19050" dir="2700000" algn="tl" rotWithShape="0">
+                  <a:schemeClr val="dk1">
+                    <a:alpha val="40000"/>
+                  </a:schemeClr>
+                </a:outerShdw>
+              </a:effectLst>
               <a:latin typeface="Calibri" panose="020F0502020204030204" pitchFamily="34" charset="0"/>
               <a:ea typeface="Calibri" panose="020F0502020204030204" pitchFamily="34" charset="0"/>
               <a:cs typeface="Calibri" panose="020F0502020204030204" pitchFamily="34" charset="0"/>
@@ -6898,14 +9030,11 @@
             <p:ph idx="1"/>
           </p:nvPr>
         </p:nvSpPr>
-        <p:spPr>
-          <a:xfrm>
-            <a:off x="617561" y="1525820"/>
-            <a:ext cx="10820400" cy="4024125"/>
-          </a:xfrm>
-        </p:spPr>
-        <p:txBody>
-          <a:bodyPr/>
+        <p:spPr/>
+        <p:txBody>
+          <a:bodyPr>
+            <a:noAutofit/>
+          </a:bodyPr>
           <a:lstStyle/>
           <a:p>
             <a:pPr>
@@ -6914,29 +9043,84 @@
               </a:lnSpc>
             </a:pPr>
             <a:r>
-              <a:rPr lang="en-US" dirty="0" smtClean="0"/>
-              <a:t>Transformer architectures rely </a:t>
-            </a:r>
-            <a:r>
-              <a:rPr lang="en-US" dirty="0"/>
-              <a:t>on attention </a:t>
-            </a:r>
-            <a:r>
-              <a:rPr lang="en-US" dirty="0" smtClean="0"/>
-              <a:t>mechanisms </a:t>
-            </a:r>
-            <a:r>
-              <a:rPr lang="en-US" dirty="0"/>
-              <a:t>to encode and decode sequential data</a:t>
-            </a:r>
-            <a:endParaRPr lang="en-US" dirty="0"/>
+              <a:rPr lang="en-US" sz="2000" dirty="0" smtClean="0"/>
+              <a:t>To </a:t>
+            </a:r>
+            <a:r>
+              <a:rPr lang="en-US" sz="2000" dirty="0"/>
+              <a:t>compare and evaluate different transformer-based models on the available datasets </a:t>
+            </a:r>
+            <a:r>
+              <a:rPr lang="en-US" sz="2000" dirty="0" smtClean="0"/>
+              <a:t>for </a:t>
+            </a:r>
+            <a:r>
+              <a:rPr lang="it-IT" sz="2000" dirty="0" smtClean="0"/>
+              <a:t>SA </a:t>
+            </a:r>
+            <a:r>
+              <a:rPr lang="it-IT" sz="2000" dirty="0"/>
+              <a:t>in the Nepali language (Devanagari Script).</a:t>
+            </a:r>
+          </a:p>
+          <a:p>
+            <a:pPr>
+              <a:lnSpc>
+                <a:spcPct val="150000"/>
+              </a:lnSpc>
+            </a:pPr>
+            <a:r>
+              <a:rPr lang="en-US" sz="2000" dirty="0" smtClean="0"/>
+              <a:t>To </a:t>
+            </a:r>
+            <a:r>
+              <a:rPr lang="en-US" sz="2000" dirty="0"/>
+              <a:t>study how well the transformer-based models perform compared to other </a:t>
+            </a:r>
+            <a:r>
+              <a:rPr lang="en-US" sz="2000" dirty="0" smtClean="0"/>
+              <a:t>Neural </a:t>
+            </a:r>
+            <a:r>
+              <a:rPr lang="en-US" sz="2000" smtClean="0"/>
+              <a:t>Network Architectures.</a:t>
+            </a:r>
+            <a:endParaRPr lang="en-US" sz="2000" dirty="0"/>
+          </a:p>
+          <a:p>
+            <a:pPr>
+              <a:lnSpc>
+                <a:spcPct val="150000"/>
+              </a:lnSpc>
+            </a:pPr>
+            <a:r>
+              <a:rPr lang="en-US" sz="2000" dirty="0" smtClean="0"/>
+              <a:t>To </a:t>
+            </a:r>
+            <a:r>
+              <a:rPr lang="en-US" sz="2000" dirty="0"/>
+              <a:t>investigate methods to improve the performance of transformer-based models on </a:t>
+            </a:r>
+            <a:r>
+              <a:rPr lang="en-US" sz="2000" dirty="0" smtClean="0"/>
+              <a:t>Nepali </a:t>
+            </a:r>
+            <a:r>
+              <a:rPr lang="fr-FR" sz="2000" dirty="0" smtClean="0"/>
+              <a:t>SA </a:t>
+            </a:r>
+            <a:r>
+              <a:rPr lang="fr-FR" sz="2000" dirty="0"/>
+              <a:t>using techniques such as data augmentation, domain adaptation, etc.</a:t>
+            </a:r>
+            <a:endParaRPr lang="en-US" sz="2000" dirty="0"/>
           </a:p>
         </p:txBody>
       </p:sp>
     </p:spTree>
     <p:extLst>
       <p:ext uri="{BB962C8B-B14F-4D97-AF65-F5344CB8AC3E}">
-        <p14:creationId xmlns:p14="http://schemas.microsoft.com/office/powerpoint/2010/main" val="3320082635"/>
+        <p14:creationId xmlns:p14="http://schemas.microsoft.com/office/powerpoint/2010/main" val="1168859121"/>
       </p:ext>
     </p:extLst>
   </p:cSld>
@@ -6981,6 +9165,10 @@
           </p:nvPr>
         </p:nvSpPr>
         <p:spPr>
+          <a:xfrm>
+            <a:off x="6121399" y="122928"/>
+            <a:ext cx="5516729" cy="893072"/>
+          </a:xfrm>
           <a:ln>
             <a:noFill/>
           </a:ln>
@@ -7021,7 +9209,7 @@
                 <a:ea typeface="Calibri" panose="020F0502020204030204" pitchFamily="34" charset="0"/>
                 <a:cs typeface="Calibri" panose="020F0502020204030204" pitchFamily="34" charset="0"/>
               </a:rPr>
-              <a:t>Why Sentiment Analysis of Nepali Texts?</a:t>
+              <a:t>How Transformers Work?</a:t>
             </a:r>
             <a:endParaRPr lang="en-US" cap="none" dirty="0">
               <a:latin typeface="Calibri" panose="020F0502020204030204" pitchFamily="34" charset="0"/>
@@ -7041,19 +9229,184 @@
             <p:ph idx="1"/>
           </p:nvPr>
         </p:nvSpPr>
-        <p:spPr/>
-        <p:txBody>
-          <a:bodyPr/>
+        <p:spPr>
+          <a:xfrm>
+            <a:off x="218365" y="1525820"/>
+            <a:ext cx="7759542" cy="4707340"/>
+          </a:xfrm>
+        </p:spPr>
+        <p:txBody>
+          <a:bodyPr>
+            <a:normAutofit fontScale="85000" lnSpcReduction="20000"/>
+          </a:bodyPr>
           <a:lstStyle/>
           <a:p>
-            <a:endParaRPr lang="en-US" dirty="0"/>
+            <a:pPr>
+              <a:lnSpc>
+                <a:spcPct val="150000"/>
+              </a:lnSpc>
+            </a:pPr>
+            <a:r>
+              <a:rPr lang="en-US" dirty="0" smtClean="0"/>
+              <a:t>Transformer architectures rely </a:t>
+            </a:r>
+            <a:r>
+              <a:rPr lang="en-US" dirty="0"/>
+              <a:t>on attention </a:t>
+            </a:r>
+            <a:r>
+              <a:rPr lang="en-US" dirty="0" smtClean="0"/>
+              <a:t>mechanisms </a:t>
+            </a:r>
+            <a:r>
+              <a:rPr lang="en-US" dirty="0"/>
+              <a:t>to encode and decode sequential </a:t>
+            </a:r>
+            <a:r>
+              <a:rPr lang="en-US" dirty="0" smtClean="0"/>
+              <a:t>data.</a:t>
+            </a:r>
+          </a:p>
+          <a:p>
+            <a:pPr>
+              <a:lnSpc>
+                <a:spcPct val="150000"/>
+              </a:lnSpc>
+            </a:pPr>
+            <a:r>
+              <a:rPr lang="en-US" dirty="0" smtClean="0"/>
+              <a:t>Transformer, or attention mechanism, can’t inherently capture positional information (like RNNs). Hence, a positional encoding is embedded into input </a:t>
+            </a:r>
+            <a:r>
+              <a:rPr lang="en-US" dirty="0" err="1" smtClean="0"/>
+              <a:t>embeddings</a:t>
+            </a:r>
+            <a:r>
+              <a:rPr lang="en-US" dirty="0" smtClean="0"/>
+              <a:t> to incorporate positional information of entities (tokens) in the sequence.</a:t>
+            </a:r>
+          </a:p>
+          <a:p>
+            <a:pPr>
+              <a:lnSpc>
+                <a:spcPct val="150000"/>
+              </a:lnSpc>
+            </a:pPr>
+            <a:r>
+              <a:rPr lang="en-US" dirty="0" smtClean="0"/>
+              <a:t>Implements multi-head attention i.e. more than one attention that allows </a:t>
+            </a:r>
+            <a:r>
+              <a:rPr lang="en-US" dirty="0"/>
+              <a:t>the model to jointly attend to information from different representation subspaces at different positions. </a:t>
+            </a:r>
+            <a:endParaRPr lang="en-US" dirty="0" smtClean="0"/>
+          </a:p>
+          <a:p>
+            <a:pPr>
+              <a:lnSpc>
+                <a:spcPct val="150000"/>
+              </a:lnSpc>
+            </a:pPr>
+            <a:r>
+              <a:rPr lang="en-US" dirty="0" smtClean="0"/>
+              <a:t>It was first proposed by [</a:t>
+            </a:r>
+            <a:r>
+              <a:rPr lang="en-US" dirty="0" err="1" smtClean="0"/>
+              <a:t>Vaswani</a:t>
+            </a:r>
+            <a:r>
+              <a:rPr lang="en-US" dirty="0" smtClean="0"/>
+              <a:t> et. al.] as a sequence-to-sequence model, for machine translation.</a:t>
+            </a:r>
+          </a:p>
+        </p:txBody>
+      </p:sp>
+      <p:pic>
+        <p:nvPicPr>
+          <p:cNvPr id="1026" name="Picture 2" descr="https://machinelearningmastery.com/wp-content/uploads/2021/08/attention_research_1.png"/>
+          <p:cNvPicPr>
+            <a:picLocks noChangeAspect="1" noChangeArrowheads="1"/>
+          </p:cNvPicPr>
+          <p:nvPr/>
+        </p:nvPicPr>
+        <p:blipFill>
+          <a:blip r:embed="rId2">
+            <a:extLst>
+              <a:ext uri="{28A0092B-C50C-407E-A947-70E740481C1C}">
+                <a14:useLocalDpi xmlns:a14="http://schemas.microsoft.com/office/drawing/2010/main" val="0"/>
+              </a:ext>
+            </a:extLst>
+          </a:blip>
+          <a:srcRect/>
+          <a:stretch>
+            <a:fillRect/>
+          </a:stretch>
+        </p:blipFill>
+        <p:spPr bwMode="auto">
+          <a:xfrm>
+            <a:off x="7977906" y="1016000"/>
+            <a:ext cx="4214093" cy="5453039"/>
+          </a:xfrm>
+          <a:prstGeom prst="rect">
+            <a:avLst/>
+          </a:prstGeom>
+          <a:noFill/>
+          <a:extLst>
+            <a:ext uri="{909E8E84-426E-40DD-AFC4-6F175D3DCCD1}">
+              <a14:hiddenFill xmlns:a14="http://schemas.microsoft.com/office/drawing/2010/main">
+                <a:solidFill>
+                  <a:srgbClr val="FFFFFF"/>
+                </a:solidFill>
+              </a14:hiddenFill>
+            </a:ext>
+          </a:extLst>
+        </p:spPr>
+      </p:pic>
+      <p:sp>
+        <p:nvSpPr>
+          <p:cNvPr id="4" name="TextBox 3"/>
+          <p:cNvSpPr txBox="1"/>
+          <p:nvPr/>
+        </p:nvSpPr>
+        <p:spPr>
+          <a:xfrm>
+            <a:off x="8016573" y="6469039"/>
+            <a:ext cx="4136757" cy="307777"/>
+          </a:xfrm>
+          <a:prstGeom prst="rect">
+            <a:avLst/>
+          </a:prstGeom>
+          <a:noFill/>
+        </p:spPr>
+        <p:txBody>
+          <a:bodyPr wrap="square" rtlCol="0">
+            <a:spAutoFit/>
+          </a:bodyPr>
+          <a:lstStyle/>
+          <a:p>
+            <a:pPr algn="ctr"/>
+            <a:r>
+              <a:rPr lang="en-US" sz="1400" dirty="0" smtClean="0"/>
+              <a:t>Transformer Model (</a:t>
+            </a:r>
+            <a:r>
+              <a:rPr lang="en-US" sz="1400" dirty="0" err="1" smtClean="0"/>
+              <a:t>Vaswani</a:t>
+            </a:r>
+            <a:r>
+              <a:rPr lang="en-US" sz="1400" dirty="0" smtClean="0"/>
+              <a:t> et. al)</a:t>
+            </a:r>
+            <a:endParaRPr lang="en-US" sz="1400" dirty="0"/>
           </a:p>
         </p:txBody>
       </p:sp>
     </p:spTree>
     <p:extLst>
       <p:ext uri="{BB962C8B-B14F-4D97-AF65-F5344CB8AC3E}">
-        <p14:creationId xmlns:p14="http://schemas.microsoft.com/office/powerpoint/2010/main" val="1168859121"/>
+        <p14:creationId xmlns:p14="http://schemas.microsoft.com/office/powerpoint/2010/main" val="3320082635"/>
       </p:ext>
     </p:extLst>
   </p:cSld>
@@ -7098,6 +9451,10 @@
           </p:nvPr>
         </p:nvSpPr>
         <p:spPr>
+          <a:xfrm>
+            <a:off x="7467600" y="1"/>
+            <a:ext cx="2966720" cy="693587"/>
+          </a:xfrm>
           <a:ln>
             <a:noFill/>
           </a:ln>
@@ -7138,7 +9495,7 @@
                 <a:ea typeface="Calibri" panose="020F0502020204030204" pitchFamily="34" charset="0"/>
                 <a:cs typeface="Calibri" panose="020F0502020204030204" pitchFamily="34" charset="0"/>
               </a:rPr>
-              <a:t>Why Sentiment Analysis of Nepali Texts?</a:t>
+              <a:t>The Encoder</a:t>
             </a:r>
             <a:endParaRPr lang="en-US" cap="none" dirty="0">
               <a:latin typeface="Calibri" panose="020F0502020204030204" pitchFamily="34" charset="0"/>
@@ -7148,22 +9505,139 @@
           </a:p>
         </p:txBody>
       </p:sp>
-      <p:sp>
-        <p:nvSpPr>
-          <p:cNvPr id="3" name="Content Placeholder 2"/>
-          <p:cNvSpPr>
-            <a:spLocks noGrp="1"/>
-          </p:cNvSpPr>
+      <p:pic>
+        <p:nvPicPr>
+          <p:cNvPr id="2050" name="Picture 2" descr="https://machinelearningmastery.com/wp-content/uploads/2021/10/transformer_1.png"/>
+          <p:cNvPicPr>
+            <a:picLocks noGrp="1" noChangeAspect="1" noChangeArrowheads="1"/>
+          </p:cNvPicPr>
           <p:nvPr>
             <p:ph idx="1"/>
           </p:nvPr>
-        </p:nvSpPr>
-        <p:spPr/>
-        <p:txBody>
-          <a:bodyPr/>
+        </p:nvPicPr>
+        <p:blipFill>
+          <a:blip r:embed="rId2">
+            <a:extLst>
+              <a:ext uri="{28A0092B-C50C-407E-A947-70E740481C1C}">
+                <a14:useLocalDpi xmlns:a14="http://schemas.microsoft.com/office/drawing/2010/main" val="0"/>
+              </a:ext>
+            </a:extLst>
+          </a:blip>
+          <a:srcRect/>
+          <a:stretch>
+            <a:fillRect/>
+          </a:stretch>
+        </p:blipFill>
+        <p:spPr bwMode="auto">
+          <a:xfrm>
+            <a:off x="0" y="1"/>
+            <a:ext cx="5232400" cy="6857999"/>
+          </a:xfrm>
+          <a:prstGeom prst="rect">
+            <a:avLst/>
+          </a:prstGeom>
+          <a:noFill/>
+          <a:extLst>
+            <a:ext uri="{909E8E84-426E-40DD-AFC4-6F175D3DCCD1}">
+              <a14:hiddenFill xmlns:a14="http://schemas.microsoft.com/office/drawing/2010/main">
+                <a:solidFill>
+                  <a:srgbClr val="FFFFFF"/>
+                </a:solidFill>
+              </a14:hiddenFill>
+            </a:ext>
+          </a:extLst>
+        </p:spPr>
+      </p:pic>
+      <p:sp>
+        <p:nvSpPr>
+          <p:cNvPr id="4" name="TextBox 3"/>
+          <p:cNvSpPr txBox="1"/>
+          <p:nvPr/>
+        </p:nvSpPr>
+        <p:spPr>
+          <a:xfrm>
+            <a:off x="5318760" y="1468120"/>
+            <a:ext cx="6741160" cy="3323987"/>
+          </a:xfrm>
+          <a:prstGeom prst="rect">
+            <a:avLst/>
+          </a:prstGeom>
+          <a:noFill/>
+        </p:spPr>
+        <p:txBody>
+          <a:bodyPr wrap="square" rtlCol="0">
+            <a:spAutoFit/>
+          </a:bodyPr>
           <a:lstStyle/>
           <a:p>
-            <a:endParaRPr lang="en-US" dirty="0"/>
+            <a:pPr marL="285750" indent="-285750">
+              <a:lnSpc>
+                <a:spcPct val="150000"/>
+              </a:lnSpc>
+              <a:buFont typeface="Arial" panose="020B0604020202020204" pitchFamily="34" charset="0"/>
+              <a:buChar char="•"/>
+            </a:pPr>
+            <a:r>
+              <a:rPr lang="en-US" sz="2000" dirty="0" smtClean="0"/>
+              <a:t>Implements Self-Attention.</a:t>
+            </a:r>
+          </a:p>
+          <a:p>
+            <a:pPr marL="285750" indent="-285750">
+              <a:lnSpc>
+                <a:spcPct val="150000"/>
+              </a:lnSpc>
+              <a:buFont typeface="Arial" panose="020B0604020202020204" pitchFamily="34" charset="0"/>
+              <a:buChar char="•"/>
+            </a:pPr>
+            <a:r>
+              <a:rPr lang="en-US" sz="2000" dirty="0" smtClean="0"/>
+              <a:t>The encoder processes the whole input text (tokenized) at once.</a:t>
+            </a:r>
+          </a:p>
+          <a:p>
+            <a:pPr marL="285750" indent="-285750">
+              <a:lnSpc>
+                <a:spcPct val="150000"/>
+              </a:lnSpc>
+              <a:buFont typeface="Arial" panose="020B0604020202020204" pitchFamily="34" charset="0"/>
+              <a:buChar char="•"/>
+            </a:pPr>
+            <a:r>
+              <a:rPr lang="en-US" sz="2000" dirty="0" smtClean="0"/>
+              <a:t>Bidirectional</a:t>
+            </a:r>
+          </a:p>
+          <a:p>
+            <a:pPr marL="285750" indent="-285750">
+              <a:lnSpc>
+                <a:spcPct val="150000"/>
+              </a:lnSpc>
+              <a:buFont typeface="Arial" panose="020B0604020202020204" pitchFamily="34" charset="0"/>
+              <a:buChar char="•"/>
+            </a:pPr>
+            <a:r>
+              <a:rPr lang="en-US" sz="2000" dirty="0"/>
+              <a:t>Learns language representation, syntax, and semantics</a:t>
+            </a:r>
+            <a:r>
+              <a:rPr lang="en-US" sz="2000" dirty="0" smtClean="0"/>
+              <a:t>.</a:t>
+            </a:r>
+          </a:p>
+          <a:p>
+            <a:pPr marL="285750" indent="-285750">
+              <a:lnSpc>
+                <a:spcPct val="150000"/>
+              </a:lnSpc>
+              <a:buFont typeface="Arial" panose="020B0604020202020204" pitchFamily="34" charset="0"/>
+              <a:buChar char="•"/>
+            </a:pPr>
+            <a:r>
+              <a:rPr lang="en-US" sz="2000" dirty="0" smtClean="0"/>
+              <a:t>Encoder Only Transformer BERT</a:t>
+            </a:r>
+            <a:endParaRPr lang="en-US" sz="2000" dirty="0"/>
           </a:p>
         </p:txBody>
       </p:sp>
@@ -7215,6 +9689,10 @@
           </p:nvPr>
         </p:nvSpPr>
         <p:spPr>
+          <a:xfrm>
+            <a:off x="7467600" y="1"/>
+            <a:ext cx="2966720" cy="693587"/>
+          </a:xfrm>
           <a:ln>
             <a:noFill/>
           </a:ln>
@@ -7255,7 +9733,7 @@
                 <a:ea typeface="Calibri" panose="020F0502020204030204" pitchFamily="34" charset="0"/>
                 <a:cs typeface="Calibri" panose="020F0502020204030204" pitchFamily="34" charset="0"/>
               </a:rPr>
-              <a:t>Why Sentiment Analysis of Nepali Texts?</a:t>
+              <a:t>The Decoder</a:t>
             </a:r>
             <a:endParaRPr lang="en-US" cap="none" dirty="0">
               <a:latin typeface="Calibri" panose="020F0502020204030204" pitchFamily="34" charset="0"/>
@@ -7275,19 +9753,136 @@
             <p:ph idx="1"/>
           </p:nvPr>
         </p:nvSpPr>
-        <p:spPr/>
-        <p:txBody>
-          <a:bodyPr/>
+        <p:spPr>
+          <a:xfrm>
+            <a:off x="5201920" y="1097280"/>
+            <a:ext cx="6695440" cy="5532120"/>
+          </a:xfrm>
+        </p:spPr>
+        <p:txBody>
+          <a:bodyPr>
+            <a:normAutofit lnSpcReduction="10000"/>
+          </a:bodyPr>
           <a:lstStyle/>
           <a:p>
+            <a:pPr>
+              <a:lnSpc>
+                <a:spcPct val="150000"/>
+              </a:lnSpc>
+            </a:pPr>
+            <a:r>
+              <a:rPr lang="en-US" dirty="0" smtClean="0"/>
+              <a:t>Implements Causal Self-Attention and Cross-Attention.</a:t>
+            </a:r>
+          </a:p>
+          <a:p>
+            <a:pPr>
+              <a:lnSpc>
+                <a:spcPct val="150000"/>
+              </a:lnSpc>
+            </a:pPr>
+            <a:r>
+              <a:rPr lang="en-US" dirty="0" smtClean="0"/>
+              <a:t>It is sequential and processes each token one after another.</a:t>
+            </a:r>
+          </a:p>
+          <a:p>
+            <a:pPr>
+              <a:lnSpc>
+                <a:spcPct val="150000"/>
+              </a:lnSpc>
+            </a:pPr>
+            <a:r>
+              <a:rPr lang="en-US" dirty="0" smtClean="0"/>
+              <a:t>Unidirectional (Left to Right)</a:t>
+            </a:r>
+          </a:p>
+          <a:p>
+            <a:pPr>
+              <a:lnSpc>
+                <a:spcPct val="150000"/>
+              </a:lnSpc>
+            </a:pPr>
+            <a:r>
+              <a:rPr lang="en-US" sz="2400" dirty="0"/>
+              <a:t>Learns language representation, syntax, and semantics</a:t>
+            </a:r>
+            <a:endParaRPr lang="en-US" dirty="0" smtClean="0"/>
+          </a:p>
+          <a:p>
+            <a:pPr>
+              <a:lnSpc>
+                <a:spcPct val="150000"/>
+              </a:lnSpc>
+            </a:pPr>
+            <a:r>
+              <a:rPr lang="en-US" dirty="0" smtClean="0"/>
+              <a:t>Generates language based on previously seen tokens</a:t>
+            </a:r>
+            <a:r>
+              <a:rPr lang="en-US" dirty="0" smtClean="0"/>
+              <a:t>.</a:t>
+            </a:r>
+          </a:p>
+          <a:p>
+            <a:pPr>
+              <a:lnSpc>
+                <a:spcPct val="150000"/>
+              </a:lnSpc>
+            </a:pPr>
+            <a:r>
+              <a:rPr lang="en-US" dirty="0" smtClean="0"/>
+              <a:t>Decoder-only transformer GPT</a:t>
+            </a:r>
             <a:endParaRPr lang="en-US" dirty="0"/>
           </a:p>
         </p:txBody>
       </p:sp>
+      <p:pic>
+        <p:nvPicPr>
+          <p:cNvPr id="3074" name="Picture 2" descr="https://machinelearningmastery.com/wp-content/uploads/2021/10/transformer_2.png"/>
+          <p:cNvPicPr>
+            <a:picLocks noChangeAspect="1" noChangeArrowheads="1"/>
+          </p:cNvPicPr>
+          <p:nvPr/>
+        </p:nvPicPr>
+        <p:blipFill>
+          <a:blip r:embed="rId2">
+            <a:extLst>
+              <a:ext uri="{28A0092B-C50C-407E-A947-70E740481C1C}">
+                <a14:useLocalDpi xmlns:a14="http://schemas.microsoft.com/office/drawing/2010/main" val="0"/>
+              </a:ext>
+            </a:extLst>
+          </a:blip>
+          <a:srcRect/>
+          <a:stretch>
+            <a:fillRect/>
+          </a:stretch>
+        </p:blipFill>
+        <p:spPr bwMode="auto">
+          <a:xfrm>
+            <a:off x="0" y="0"/>
+            <a:ext cx="4866968" cy="6858000"/>
+          </a:xfrm>
+          <a:prstGeom prst="rect">
+            <a:avLst/>
+          </a:prstGeom>
+          <a:noFill/>
+          <a:extLst>
+            <a:ext uri="{909E8E84-426E-40DD-AFC4-6F175D3DCCD1}">
+              <a14:hiddenFill xmlns:a14="http://schemas.microsoft.com/office/drawing/2010/main">
+                <a:solidFill>
+                  <a:srgbClr val="FFFFFF"/>
+                </a:solidFill>
+              </a14:hiddenFill>
+            </a:ext>
+          </a:extLst>
+        </p:spPr>
+      </p:pic>
     </p:spTree>
     <p:extLst>
       <p:ext uri="{BB962C8B-B14F-4D97-AF65-F5344CB8AC3E}">
-        <p14:creationId xmlns:p14="http://schemas.microsoft.com/office/powerpoint/2010/main" val="1120956199"/>
+        <p14:creationId xmlns:p14="http://schemas.microsoft.com/office/powerpoint/2010/main" val="2648596111"/>
       </p:ext>
     </p:extLst>
   </p:cSld>
@@ -7321,9 +9916,1144 @@
           <a:chExt cx="0" cy="0"/>
         </a:xfrm>
       </p:grpSpPr>
-      <p:sp>
-        <p:nvSpPr>
-          <p:cNvPr id="2" name="Title 1"/>
+      <mc:AlternateContent xmlns:mc="http://schemas.openxmlformats.org/markup-compatibility/2006" xmlns:a14="http://schemas.microsoft.com/office/drawing/2010/main">
+        <mc:Choice Requires="a14">
+          <p:sp>
+            <p:nvSpPr>
+              <p:cNvPr id="8" name="Content Placeholder 7"/>
+              <p:cNvSpPr>
+                <a:spLocks noGrp="1"/>
+              </p:cNvSpPr>
+              <p:nvPr>
+                <p:ph idx="1"/>
+              </p:nvPr>
+            </p:nvSpPr>
+            <p:spPr>
+              <a:xfrm>
+                <a:off x="0" y="1412088"/>
+                <a:ext cx="5750257" cy="5445912"/>
+              </a:xfrm>
+              <a:solidFill>
+                <a:schemeClr val="tx1"/>
+              </a:solidFill>
+            </p:spPr>
+            <p:txBody>
+              <a:bodyPr>
+                <a:normAutofit/>
+              </a:bodyPr>
+              <a:lstStyle/>
+              <a:p>
+                <a:pPr marL="0" indent="0">
+                  <a:lnSpc>
+                    <a:spcPct val="100000"/>
+                  </a:lnSpc>
+                  <a:buNone/>
+                </a:pPr>
+                <a14:m>
+                  <m:oMathPara xmlns:m="http://schemas.openxmlformats.org/officeDocument/2006/math">
+                    <m:oMathParaPr>
+                      <m:jc m:val="center"/>
+                    </m:oMathParaPr>
+                    <m:oMath xmlns:m="http://schemas.openxmlformats.org/officeDocument/2006/math">
+                      <m:r>
+                        <a:rPr lang="en-US" sz="1600" b="0" i="1" smtClean="0">
+                          <a:solidFill>
+                            <a:schemeClr val="bg1"/>
+                          </a:solidFill>
+                          <a:latin typeface="Cambria Math" panose="02040503050406030204" pitchFamily="18" charset="0"/>
+                          <a:ea typeface="Cambria Math" panose="02040503050406030204" pitchFamily="18" charset="0"/>
+                        </a:rPr>
+                        <m:t>𝐴𝑡𝑡𝑒𝑛𝑡𝑖𝑜𝑛</m:t>
+                      </m:r>
+                      <m:r>
+                        <a:rPr lang="en-US" sz="1600" b="0" i="1" smtClean="0">
+                          <a:solidFill>
+                            <a:schemeClr val="bg1"/>
+                          </a:solidFill>
+                          <a:latin typeface="Cambria Math" panose="02040503050406030204" pitchFamily="18" charset="0"/>
+                          <a:ea typeface="Cambria Math" panose="02040503050406030204" pitchFamily="18" charset="0"/>
+                        </a:rPr>
+                        <m:t>(</m:t>
+                      </m:r>
+                      <m:r>
+                        <a:rPr lang="en-US" sz="1600" b="0" i="1" smtClean="0">
+                          <a:solidFill>
+                            <a:schemeClr val="bg1"/>
+                          </a:solidFill>
+                          <a:latin typeface="Cambria Math" panose="02040503050406030204" pitchFamily="18" charset="0"/>
+                          <a:ea typeface="Cambria Math" panose="02040503050406030204" pitchFamily="18" charset="0"/>
+                        </a:rPr>
+                        <m:t>𝑄</m:t>
+                      </m:r>
+                      <m:r>
+                        <a:rPr lang="en-US" sz="1600" b="0" i="1" smtClean="0">
+                          <a:solidFill>
+                            <a:schemeClr val="bg1"/>
+                          </a:solidFill>
+                          <a:latin typeface="Cambria Math" panose="02040503050406030204" pitchFamily="18" charset="0"/>
+                          <a:ea typeface="Cambria Math" panose="02040503050406030204" pitchFamily="18" charset="0"/>
+                        </a:rPr>
+                        <m:t>, </m:t>
+                      </m:r>
+                      <m:r>
+                        <a:rPr lang="en-US" sz="1600" b="0" i="1" smtClean="0">
+                          <a:solidFill>
+                            <a:schemeClr val="bg1"/>
+                          </a:solidFill>
+                          <a:latin typeface="Cambria Math" panose="02040503050406030204" pitchFamily="18" charset="0"/>
+                          <a:ea typeface="Cambria Math" panose="02040503050406030204" pitchFamily="18" charset="0"/>
+                        </a:rPr>
+                        <m:t>𝐾</m:t>
+                      </m:r>
+                      <m:r>
+                        <a:rPr lang="en-US" sz="1600" b="0" i="1" smtClean="0">
+                          <a:solidFill>
+                            <a:schemeClr val="bg1"/>
+                          </a:solidFill>
+                          <a:latin typeface="Cambria Math" panose="02040503050406030204" pitchFamily="18" charset="0"/>
+                          <a:ea typeface="Cambria Math" panose="02040503050406030204" pitchFamily="18" charset="0"/>
+                        </a:rPr>
+                        <m:t>, </m:t>
+                      </m:r>
+                      <m:r>
+                        <a:rPr lang="en-US" sz="1600" b="0" i="1" smtClean="0">
+                          <a:solidFill>
+                            <a:schemeClr val="bg1"/>
+                          </a:solidFill>
+                          <a:latin typeface="Cambria Math" panose="02040503050406030204" pitchFamily="18" charset="0"/>
+                          <a:ea typeface="Cambria Math" panose="02040503050406030204" pitchFamily="18" charset="0"/>
+                        </a:rPr>
+                        <m:t>𝑉</m:t>
+                      </m:r>
+                      <m:r>
+                        <a:rPr lang="en-US" sz="1600" b="0" i="1" smtClean="0">
+                          <a:solidFill>
+                            <a:schemeClr val="bg1"/>
+                          </a:solidFill>
+                          <a:latin typeface="Cambria Math" panose="02040503050406030204" pitchFamily="18" charset="0"/>
+                          <a:ea typeface="Cambria Math" panose="02040503050406030204" pitchFamily="18" charset="0"/>
+                        </a:rPr>
+                        <m:t> ) = </m:t>
+                      </m:r>
+                      <m:r>
+                        <a:rPr lang="en-US" sz="1600" b="0" i="1" smtClean="0">
+                          <a:solidFill>
+                            <a:schemeClr val="bg1"/>
+                          </a:solidFill>
+                          <a:latin typeface="Cambria Math" panose="02040503050406030204" pitchFamily="18" charset="0"/>
+                          <a:ea typeface="Cambria Math" panose="02040503050406030204" pitchFamily="18" charset="0"/>
+                        </a:rPr>
+                        <m:t>𝑠𝑜𝑓𝑡𝑚𝑎𝑥</m:t>
+                      </m:r>
+                      <m:r>
+                        <a:rPr lang="en-US" sz="1600" b="0" i="1" smtClean="0">
+                          <a:solidFill>
+                            <a:schemeClr val="bg1"/>
+                          </a:solidFill>
+                          <a:latin typeface="Cambria Math" panose="02040503050406030204" pitchFamily="18" charset="0"/>
+                          <a:ea typeface="Cambria Math" panose="02040503050406030204" pitchFamily="18" charset="0"/>
+                        </a:rPr>
+                        <m:t>(</m:t>
+                      </m:r>
+                      <m:f>
+                        <m:fPr>
+                          <m:ctrlPr>
+                            <a:rPr lang="en-US" sz="1600" i="1">
+                              <a:solidFill>
+                                <a:schemeClr val="bg1"/>
+                              </a:solidFill>
+                              <a:latin typeface="Cambria Math" panose="02040503050406030204" pitchFamily="18" charset="0"/>
+                              <a:ea typeface="Cambria Math" panose="02040503050406030204" pitchFamily="18" charset="0"/>
+                            </a:rPr>
+                          </m:ctrlPr>
+                        </m:fPr>
+                        <m:num>
+                          <m:r>
+                            <a:rPr lang="en-US" sz="1600" b="0" i="1">
+                              <a:solidFill>
+                                <a:schemeClr val="bg1"/>
+                              </a:solidFill>
+                              <a:latin typeface="Cambria Math" panose="02040503050406030204" pitchFamily="18" charset="0"/>
+                              <a:ea typeface="Cambria Math" panose="02040503050406030204" pitchFamily="18" charset="0"/>
+                            </a:rPr>
+                            <m:t>𝑄</m:t>
+                          </m:r>
+                          <m:sSup>
+                            <m:sSupPr>
+                              <m:ctrlPr>
+                                <a:rPr lang="en-US" sz="1600" i="1">
+                                  <a:solidFill>
+                                    <a:schemeClr val="bg1"/>
+                                  </a:solidFill>
+                                  <a:latin typeface="Cambria Math" panose="02040503050406030204" pitchFamily="18" charset="0"/>
+                                  <a:ea typeface="Cambria Math" panose="02040503050406030204" pitchFamily="18" charset="0"/>
+                                </a:rPr>
+                              </m:ctrlPr>
+                            </m:sSupPr>
+                            <m:e>
+                              <m:r>
+                                <a:rPr lang="en-US" sz="1600" b="0" i="1">
+                                  <a:solidFill>
+                                    <a:schemeClr val="bg1"/>
+                                  </a:solidFill>
+                                  <a:latin typeface="Cambria Math" panose="02040503050406030204" pitchFamily="18" charset="0"/>
+                                  <a:ea typeface="Cambria Math" panose="02040503050406030204" pitchFamily="18" charset="0"/>
+                                </a:rPr>
+                                <m:t>𝐾</m:t>
+                              </m:r>
+                            </m:e>
+                            <m:sup>
+                              <m:r>
+                                <a:rPr lang="en-US" sz="1600" b="0" i="1">
+                                  <a:solidFill>
+                                    <a:schemeClr val="bg1"/>
+                                  </a:solidFill>
+                                  <a:latin typeface="Cambria Math" panose="02040503050406030204" pitchFamily="18" charset="0"/>
+                                  <a:ea typeface="Cambria Math" panose="02040503050406030204" pitchFamily="18" charset="0"/>
+                                </a:rPr>
+                                <m:t>𝑇</m:t>
+                              </m:r>
+                            </m:sup>
+                          </m:sSup>
+                        </m:num>
+                        <m:den>
+                          <m:rad>
+                            <m:radPr>
+                              <m:degHide m:val="on"/>
+                              <m:ctrlPr>
+                                <a:rPr lang="en-US" sz="1600" i="1">
+                                  <a:solidFill>
+                                    <a:schemeClr val="bg1"/>
+                                  </a:solidFill>
+                                  <a:latin typeface="Cambria Math" panose="02040503050406030204" pitchFamily="18" charset="0"/>
+                                  <a:ea typeface="Cambria Math" panose="02040503050406030204" pitchFamily="18" charset="0"/>
+                                </a:rPr>
+                              </m:ctrlPr>
+                            </m:radPr>
+                            <m:deg/>
+                            <m:e>
+                              <m:sSub>
+                                <m:sSubPr>
+                                  <m:ctrlPr>
+                                    <a:rPr lang="en-US" sz="1600" i="1">
+                                      <a:solidFill>
+                                        <a:schemeClr val="bg1"/>
+                                      </a:solidFill>
+                                      <a:latin typeface="Cambria Math" panose="02040503050406030204" pitchFamily="18" charset="0"/>
+                                      <a:ea typeface="Cambria Math" panose="02040503050406030204" pitchFamily="18" charset="0"/>
+                                    </a:rPr>
+                                  </m:ctrlPr>
+                                </m:sSubPr>
+                                <m:e>
+                                  <m:r>
+                                    <a:rPr lang="en-US" sz="1600" b="0" i="1">
+                                      <a:solidFill>
+                                        <a:schemeClr val="bg1"/>
+                                      </a:solidFill>
+                                      <a:latin typeface="Cambria Math" panose="02040503050406030204" pitchFamily="18" charset="0"/>
+                                      <a:ea typeface="Cambria Math" panose="02040503050406030204" pitchFamily="18" charset="0"/>
+                                    </a:rPr>
+                                    <m:t>𝑑</m:t>
+                                  </m:r>
+                                </m:e>
+                                <m:sub>
+                                  <m:r>
+                                    <a:rPr lang="en-US" sz="1600" b="0" i="1">
+                                      <a:solidFill>
+                                        <a:schemeClr val="bg1"/>
+                                      </a:solidFill>
+                                      <a:latin typeface="Cambria Math" panose="02040503050406030204" pitchFamily="18" charset="0"/>
+                                      <a:ea typeface="Cambria Math" panose="02040503050406030204" pitchFamily="18" charset="0"/>
+                                    </a:rPr>
+                                    <m:t>𝑘</m:t>
+                                  </m:r>
+                                </m:sub>
+                              </m:sSub>
+                            </m:e>
+                          </m:rad>
+                        </m:den>
+                      </m:f>
+                      <m:r>
+                        <a:rPr lang="en-US" sz="1600" b="0" i="1">
+                          <a:solidFill>
+                            <a:schemeClr val="bg1"/>
+                          </a:solidFill>
+                          <a:latin typeface="Cambria Math" panose="02040503050406030204" pitchFamily="18" charset="0"/>
+                          <a:ea typeface="Cambria Math" panose="02040503050406030204" pitchFamily="18" charset="0"/>
+                        </a:rPr>
+                        <m:t>)</m:t>
+                      </m:r>
+                      <m:r>
+                        <a:rPr lang="en-US" sz="1600" b="0" i="1">
+                          <a:solidFill>
+                            <a:schemeClr val="bg1"/>
+                          </a:solidFill>
+                          <a:latin typeface="Cambria Math" panose="02040503050406030204" pitchFamily="18" charset="0"/>
+                          <a:ea typeface="Cambria Math" panose="02040503050406030204" pitchFamily="18" charset="0"/>
+                        </a:rPr>
+                        <m:t>𝑉</m:t>
+                      </m:r>
+                    </m:oMath>
+                  </m:oMathPara>
+                </a14:m>
+                <a:endParaRPr lang="en-US" sz="1600" dirty="0" smtClean="0">
+                  <a:solidFill>
+                    <a:schemeClr val="bg1"/>
+                  </a:solidFill>
+                  <a:latin typeface="Cambria Math" panose="02040503050406030204" pitchFamily="18" charset="0"/>
+                  <a:ea typeface="Cambria Math" panose="02040503050406030204" pitchFamily="18" charset="0"/>
+                </a:endParaRPr>
+              </a:p>
+              <a:p>
+                <a:pPr marL="0" indent="0">
+                  <a:lnSpc>
+                    <a:spcPct val="100000"/>
+                  </a:lnSpc>
+                  <a:buNone/>
+                </a:pPr>
+                <a:r>
+                  <a:rPr lang="en-US" sz="1600" dirty="0" smtClean="0">
+                    <a:solidFill>
+                      <a:schemeClr val="bg1"/>
+                    </a:solidFill>
+                    <a:latin typeface="Cambria Math" panose="02040503050406030204" pitchFamily="18" charset="0"/>
+                    <a:ea typeface="Cambria Math" panose="02040503050406030204" pitchFamily="18" charset="0"/>
+                  </a:rPr>
+                  <a:t>   here</a:t>
+                </a:r>
+                <a:r>
+                  <a:rPr lang="en-US" sz="1600" dirty="0">
+                    <a:solidFill>
+                      <a:schemeClr val="bg1"/>
+                    </a:solidFill>
+                    <a:latin typeface="Cambria Math" panose="02040503050406030204" pitchFamily="18" charset="0"/>
+                    <a:ea typeface="Cambria Math" panose="02040503050406030204" pitchFamily="18" charset="0"/>
+                  </a:rPr>
+                  <a:t>,</a:t>
+                </a:r>
+              </a:p>
+              <a:p>
+                <a:pPr marL="0" indent="0">
+                  <a:lnSpc>
+                    <a:spcPct val="100000"/>
+                  </a:lnSpc>
+                  <a:buNone/>
+                </a:pPr>
+                <a:r>
+                  <a:rPr lang="en-US" sz="1600" dirty="0">
+                    <a:solidFill>
+                      <a:schemeClr val="bg1"/>
+                    </a:solidFill>
+                    <a:latin typeface="Cambria Math" panose="02040503050406030204" pitchFamily="18" charset="0"/>
+                    <a:ea typeface="Cambria Math" panose="02040503050406030204" pitchFamily="18" charset="0"/>
+                  </a:rPr>
+                  <a:t>	</a:t>
+                </a:r>
+                <a14:m>
+                  <m:oMath xmlns:m="http://schemas.openxmlformats.org/officeDocument/2006/math">
+                    <m:r>
+                      <a:rPr lang="en-US" sz="1600" b="0" i="1">
+                        <a:solidFill>
+                          <a:schemeClr val="bg1"/>
+                        </a:solidFill>
+                        <a:latin typeface="Cambria Math" panose="02040503050406030204" pitchFamily="18" charset="0"/>
+                        <a:ea typeface="Cambria Math" panose="02040503050406030204" pitchFamily="18" charset="0"/>
+                      </a:rPr>
+                      <m:t>𝑄</m:t>
+                    </m:r>
+                    <m:r>
+                      <a:rPr lang="en-US" sz="1600" b="0" i="1">
+                        <a:solidFill>
+                          <a:schemeClr val="bg1"/>
+                        </a:solidFill>
+                        <a:latin typeface="Cambria Math" panose="02040503050406030204" pitchFamily="18" charset="0"/>
+                        <a:ea typeface="Cambria Math" panose="02040503050406030204" pitchFamily="18" charset="0"/>
+                      </a:rPr>
+                      <m:t> = </m:t>
+                    </m:r>
+                    <m:r>
+                      <a:rPr lang="en-US" sz="1600" b="0" i="1">
+                        <a:solidFill>
+                          <a:schemeClr val="bg1"/>
+                        </a:solidFill>
+                        <a:latin typeface="Cambria Math" panose="02040503050406030204" pitchFamily="18" charset="0"/>
+                        <a:ea typeface="Cambria Math" panose="02040503050406030204" pitchFamily="18" charset="0"/>
+                      </a:rPr>
+                      <m:t>𝑋</m:t>
+                    </m:r>
+                    <m:r>
+                      <a:rPr lang="en-US" sz="1600" b="0" i="1">
+                        <a:solidFill>
+                          <a:schemeClr val="bg1"/>
+                        </a:solidFill>
+                        <a:latin typeface="Cambria Math" panose="02040503050406030204" pitchFamily="18" charset="0"/>
+                        <a:ea typeface="Cambria Math" panose="02040503050406030204" pitchFamily="18" charset="0"/>
+                      </a:rPr>
+                      <m:t> ∗ </m:t>
+                    </m:r>
+                    <m:sSub>
+                      <m:sSubPr>
+                        <m:ctrlPr>
+                          <a:rPr lang="en-US" sz="1600" i="1">
+                            <a:solidFill>
+                              <a:schemeClr val="bg1"/>
+                            </a:solidFill>
+                            <a:latin typeface="Cambria Math" panose="02040503050406030204" pitchFamily="18" charset="0"/>
+                            <a:ea typeface="Cambria Math" panose="02040503050406030204" pitchFamily="18" charset="0"/>
+                          </a:rPr>
+                        </m:ctrlPr>
+                      </m:sSubPr>
+                      <m:e>
+                        <m:r>
+                          <a:rPr lang="en-US" sz="1600" b="0" i="1">
+                            <a:solidFill>
+                              <a:schemeClr val="bg1"/>
+                            </a:solidFill>
+                            <a:latin typeface="Cambria Math" panose="02040503050406030204" pitchFamily="18" charset="0"/>
+                            <a:ea typeface="Cambria Math" panose="02040503050406030204" pitchFamily="18" charset="0"/>
+                          </a:rPr>
+                          <m:t>𝑊</m:t>
+                        </m:r>
+                      </m:e>
+                      <m:sub>
+                        <m:r>
+                          <a:rPr lang="en-US" sz="1600" b="0" i="1">
+                            <a:solidFill>
+                              <a:schemeClr val="bg1"/>
+                            </a:solidFill>
+                            <a:latin typeface="Cambria Math" panose="02040503050406030204" pitchFamily="18" charset="0"/>
+                            <a:ea typeface="Cambria Math" panose="02040503050406030204" pitchFamily="18" charset="0"/>
+                          </a:rPr>
+                          <m:t>𝑄</m:t>
+                        </m:r>
+                      </m:sub>
+                    </m:sSub>
+                  </m:oMath>
+                </a14:m>
+                <a:endParaRPr lang="en-US" sz="1600" dirty="0">
+                  <a:solidFill>
+                    <a:schemeClr val="bg1"/>
+                  </a:solidFill>
+                  <a:latin typeface="Cambria Math" panose="02040503050406030204" pitchFamily="18" charset="0"/>
+                  <a:ea typeface="Cambria Math" panose="02040503050406030204" pitchFamily="18" charset="0"/>
+                </a:endParaRPr>
+              </a:p>
+              <a:p>
+                <a:pPr marL="0" indent="0">
+                  <a:lnSpc>
+                    <a:spcPct val="100000"/>
+                  </a:lnSpc>
+                  <a:buNone/>
+                </a:pPr>
+                <a:r>
+                  <a:rPr lang="en-US" sz="1600" dirty="0">
+                    <a:solidFill>
+                      <a:schemeClr val="bg1"/>
+                    </a:solidFill>
+                    <a:latin typeface="Cambria Math" panose="02040503050406030204" pitchFamily="18" charset="0"/>
+                    <a:ea typeface="Cambria Math" panose="02040503050406030204" pitchFamily="18" charset="0"/>
+                  </a:rPr>
+                  <a:t>	</a:t>
+                </a:r>
+                <a14:m>
+                  <m:oMath xmlns:m="http://schemas.openxmlformats.org/officeDocument/2006/math">
+                    <m:r>
+                      <a:rPr lang="en-US" sz="1600" b="0" i="1">
+                        <a:solidFill>
+                          <a:schemeClr val="bg1"/>
+                        </a:solidFill>
+                        <a:latin typeface="Cambria Math" panose="02040503050406030204" pitchFamily="18" charset="0"/>
+                        <a:ea typeface="Cambria Math" panose="02040503050406030204" pitchFamily="18" charset="0"/>
+                      </a:rPr>
+                      <m:t>𝐾</m:t>
+                    </m:r>
+                    <m:r>
+                      <a:rPr lang="en-US" sz="1600" b="0" i="1">
+                        <a:solidFill>
+                          <a:schemeClr val="bg1"/>
+                        </a:solidFill>
+                        <a:latin typeface="Cambria Math" panose="02040503050406030204" pitchFamily="18" charset="0"/>
+                        <a:ea typeface="Cambria Math" panose="02040503050406030204" pitchFamily="18" charset="0"/>
+                      </a:rPr>
+                      <m:t> = </m:t>
+                    </m:r>
+                    <m:r>
+                      <a:rPr lang="en-US" sz="1600" b="0" i="1">
+                        <a:solidFill>
+                          <a:schemeClr val="bg1"/>
+                        </a:solidFill>
+                        <a:latin typeface="Cambria Math" panose="02040503050406030204" pitchFamily="18" charset="0"/>
+                        <a:ea typeface="Cambria Math" panose="02040503050406030204" pitchFamily="18" charset="0"/>
+                      </a:rPr>
+                      <m:t>𝑋</m:t>
+                    </m:r>
+                    <m:r>
+                      <a:rPr lang="en-US" sz="1600" b="0" i="1">
+                        <a:solidFill>
+                          <a:schemeClr val="bg1"/>
+                        </a:solidFill>
+                        <a:latin typeface="Cambria Math" panose="02040503050406030204" pitchFamily="18" charset="0"/>
+                        <a:ea typeface="Cambria Math" panose="02040503050406030204" pitchFamily="18" charset="0"/>
+                      </a:rPr>
+                      <m:t> ∗  </m:t>
+                    </m:r>
+                    <m:sSub>
+                      <m:sSubPr>
+                        <m:ctrlPr>
+                          <a:rPr lang="en-US" sz="1600" i="1">
+                            <a:solidFill>
+                              <a:schemeClr val="bg1"/>
+                            </a:solidFill>
+                            <a:latin typeface="Cambria Math" panose="02040503050406030204" pitchFamily="18" charset="0"/>
+                            <a:ea typeface="Cambria Math" panose="02040503050406030204" pitchFamily="18" charset="0"/>
+                          </a:rPr>
+                        </m:ctrlPr>
+                      </m:sSubPr>
+                      <m:e>
+                        <m:r>
+                          <a:rPr lang="en-US" sz="1600" b="0" i="1">
+                            <a:solidFill>
+                              <a:schemeClr val="bg1"/>
+                            </a:solidFill>
+                            <a:latin typeface="Cambria Math" panose="02040503050406030204" pitchFamily="18" charset="0"/>
+                            <a:ea typeface="Cambria Math" panose="02040503050406030204" pitchFamily="18" charset="0"/>
+                          </a:rPr>
+                          <m:t>𝑊</m:t>
+                        </m:r>
+                      </m:e>
+                      <m:sub>
+                        <m:r>
+                          <a:rPr lang="en-US" sz="1600" b="0" i="1">
+                            <a:solidFill>
+                              <a:schemeClr val="bg1"/>
+                            </a:solidFill>
+                            <a:latin typeface="Cambria Math" panose="02040503050406030204" pitchFamily="18" charset="0"/>
+                            <a:ea typeface="Cambria Math" panose="02040503050406030204" pitchFamily="18" charset="0"/>
+                          </a:rPr>
+                          <m:t>𝐾</m:t>
+                        </m:r>
+                      </m:sub>
+                    </m:sSub>
+                  </m:oMath>
+                </a14:m>
+                <a:endParaRPr lang="en-US" sz="1600" dirty="0">
+                  <a:solidFill>
+                    <a:schemeClr val="bg1"/>
+                  </a:solidFill>
+                  <a:latin typeface="Cambria Math" panose="02040503050406030204" pitchFamily="18" charset="0"/>
+                  <a:ea typeface="Cambria Math" panose="02040503050406030204" pitchFamily="18" charset="0"/>
+                </a:endParaRPr>
+              </a:p>
+              <a:p>
+                <a:pPr marL="0" indent="0">
+                  <a:lnSpc>
+                    <a:spcPct val="100000"/>
+                  </a:lnSpc>
+                  <a:buNone/>
+                </a:pPr>
+                <a:r>
+                  <a:rPr lang="en-US" sz="1600" baseline="-25000" dirty="0">
+                    <a:solidFill>
+                      <a:schemeClr val="bg1"/>
+                    </a:solidFill>
+                    <a:latin typeface="Cambria Math" panose="02040503050406030204" pitchFamily="18" charset="0"/>
+                    <a:ea typeface="Cambria Math" panose="02040503050406030204" pitchFamily="18" charset="0"/>
+                  </a:rPr>
+                  <a:t>	</a:t>
+                </a:r>
+                <a14:m>
+                  <m:oMath xmlns:m="http://schemas.openxmlformats.org/officeDocument/2006/math">
+                    <m:r>
+                      <a:rPr lang="en-US" sz="1600" b="0" i="1">
+                        <a:solidFill>
+                          <a:schemeClr val="bg1"/>
+                        </a:solidFill>
+                        <a:latin typeface="Cambria Math" panose="02040503050406030204" pitchFamily="18" charset="0"/>
+                        <a:ea typeface="Cambria Math" panose="02040503050406030204" pitchFamily="18" charset="0"/>
+                      </a:rPr>
+                      <m:t>𝑉</m:t>
+                    </m:r>
+                    <m:r>
+                      <a:rPr lang="en-US" sz="1600" b="0" i="1">
+                        <a:solidFill>
+                          <a:schemeClr val="bg1"/>
+                        </a:solidFill>
+                        <a:latin typeface="Cambria Math" panose="02040503050406030204" pitchFamily="18" charset="0"/>
+                        <a:ea typeface="Cambria Math" panose="02040503050406030204" pitchFamily="18" charset="0"/>
+                      </a:rPr>
+                      <m:t> = </m:t>
+                    </m:r>
+                    <m:r>
+                      <a:rPr lang="en-US" sz="1600" b="0" i="1">
+                        <a:solidFill>
+                          <a:schemeClr val="bg1"/>
+                        </a:solidFill>
+                        <a:latin typeface="Cambria Math" panose="02040503050406030204" pitchFamily="18" charset="0"/>
+                        <a:ea typeface="Cambria Math" panose="02040503050406030204" pitchFamily="18" charset="0"/>
+                      </a:rPr>
+                      <m:t>𝑋</m:t>
+                    </m:r>
+                    <m:r>
+                      <a:rPr lang="en-US" sz="1600" b="0" i="1">
+                        <a:solidFill>
+                          <a:schemeClr val="bg1"/>
+                        </a:solidFill>
+                        <a:latin typeface="Cambria Math" panose="02040503050406030204" pitchFamily="18" charset="0"/>
+                        <a:ea typeface="Cambria Math" panose="02040503050406030204" pitchFamily="18" charset="0"/>
+                      </a:rPr>
+                      <m:t> ∗  </m:t>
+                    </m:r>
+                    <m:sSub>
+                      <m:sSubPr>
+                        <m:ctrlPr>
+                          <a:rPr lang="en-US" sz="1600" i="1">
+                            <a:solidFill>
+                              <a:schemeClr val="bg1"/>
+                            </a:solidFill>
+                            <a:latin typeface="Cambria Math" panose="02040503050406030204" pitchFamily="18" charset="0"/>
+                            <a:ea typeface="Cambria Math" panose="02040503050406030204" pitchFamily="18" charset="0"/>
+                          </a:rPr>
+                        </m:ctrlPr>
+                      </m:sSubPr>
+                      <m:e>
+                        <m:r>
+                          <a:rPr lang="en-US" sz="1600" b="0" i="1">
+                            <a:solidFill>
+                              <a:schemeClr val="bg1"/>
+                            </a:solidFill>
+                            <a:latin typeface="Cambria Math" panose="02040503050406030204" pitchFamily="18" charset="0"/>
+                            <a:ea typeface="Cambria Math" panose="02040503050406030204" pitchFamily="18" charset="0"/>
+                          </a:rPr>
+                          <m:t>𝑊</m:t>
+                        </m:r>
+                      </m:e>
+                      <m:sub>
+                        <m:r>
+                          <a:rPr lang="en-US" sz="1600" b="0" i="1">
+                            <a:solidFill>
+                              <a:schemeClr val="bg1"/>
+                            </a:solidFill>
+                            <a:latin typeface="Cambria Math" panose="02040503050406030204" pitchFamily="18" charset="0"/>
+                            <a:ea typeface="Cambria Math" panose="02040503050406030204" pitchFamily="18" charset="0"/>
+                          </a:rPr>
+                          <m:t>𝑉</m:t>
+                        </m:r>
+                      </m:sub>
+                    </m:sSub>
+                  </m:oMath>
+                </a14:m>
+                <a:endParaRPr lang="en-US" sz="1800" dirty="0" smtClean="0">
+                  <a:solidFill>
+                    <a:schemeClr val="bg1"/>
+                  </a:solidFill>
+                  <a:latin typeface="Cambria Math" panose="02040503050406030204" pitchFamily="18" charset="0"/>
+                  <a:ea typeface="Cambria Math" panose="02040503050406030204" pitchFamily="18" charset="0"/>
+                </a:endParaRPr>
+              </a:p>
+              <a:p>
+                <a:pPr marL="0" indent="0">
+                  <a:lnSpc>
+                    <a:spcPct val="100000"/>
+                  </a:lnSpc>
+                  <a:buNone/>
+                </a:pPr>
+                <a:endParaRPr lang="en-US" sz="1800" dirty="0" smtClean="0">
+                  <a:solidFill>
+                    <a:schemeClr val="bg1"/>
+                  </a:solidFill>
+                  <a:latin typeface="Cambria" panose="02040503050406030204" pitchFamily="18" charset="0"/>
+                  <a:ea typeface="Cambria" panose="02040503050406030204" pitchFamily="18" charset="0"/>
+                </a:endParaRPr>
+              </a:p>
+              <a:p>
+                <a:pPr marL="0" indent="0">
+                  <a:lnSpc>
+                    <a:spcPct val="100000"/>
+                  </a:lnSpc>
+                  <a:buNone/>
+                </a:pPr>
+                <a:endParaRPr lang="en-US" sz="1800" dirty="0">
+                  <a:solidFill>
+                    <a:schemeClr val="bg1"/>
+                  </a:solidFill>
+                  <a:latin typeface="Cambria" panose="02040503050406030204" pitchFamily="18" charset="0"/>
+                  <a:ea typeface="Cambria" panose="02040503050406030204" pitchFamily="18" charset="0"/>
+                </a:endParaRPr>
+              </a:p>
+              <a:p>
+                <a:pPr marL="0" indent="0">
+                  <a:lnSpc>
+                    <a:spcPct val="100000"/>
+                  </a:lnSpc>
+                  <a:buNone/>
+                </a:pPr>
+                <a:endParaRPr lang="en-US" sz="1800" dirty="0" smtClean="0">
+                  <a:solidFill>
+                    <a:schemeClr val="bg1"/>
+                  </a:solidFill>
+                  <a:latin typeface="Cambria" panose="02040503050406030204" pitchFamily="18" charset="0"/>
+                  <a:ea typeface="Cambria" panose="02040503050406030204" pitchFamily="18" charset="0"/>
+                </a:endParaRPr>
+              </a:p>
+              <a:p>
+                <a:pPr marL="0" indent="0">
+                  <a:lnSpc>
+                    <a:spcPct val="100000"/>
+                  </a:lnSpc>
+                  <a:buNone/>
+                </a:pPr>
+                <a:r>
+                  <a:rPr lang="en-US" sz="1600" dirty="0" smtClean="0">
+                    <a:solidFill>
+                      <a:schemeClr val="bg1"/>
+                    </a:solidFill>
+                    <a:latin typeface="Cambria Math" panose="02040503050406030204" pitchFamily="18" charset="0"/>
+                    <a:ea typeface="Cambria Math" panose="02040503050406030204" pitchFamily="18" charset="0"/>
+                  </a:rPr>
+                  <a:t>where,</a:t>
+                </a:r>
+              </a:p>
+              <a:p>
+                <a:pPr marL="0" indent="0">
+                  <a:lnSpc>
+                    <a:spcPct val="100000"/>
+                  </a:lnSpc>
+                  <a:buNone/>
+                </a:pPr>
+                <a:endParaRPr lang="en-US" sz="1600" dirty="0">
+                  <a:solidFill>
+                    <a:schemeClr val="bg1"/>
+                  </a:solidFill>
+                  <a:latin typeface="Cambria Math" panose="02040503050406030204" pitchFamily="18" charset="0"/>
+                  <a:ea typeface="Cambria Math" panose="02040503050406030204" pitchFamily="18" charset="0"/>
+                </a:endParaRPr>
+              </a:p>
+            </p:txBody>
+          </p:sp>
+        </mc:Choice>
+        <mc:Fallback xmlns="">
+          <p:sp>
+            <p:nvSpPr>
+              <p:cNvPr id="8" name="Content Placeholder 7"/>
+              <p:cNvSpPr>
+                <a:spLocks noGrp="1" noRot="1" noChangeAspect="1" noMove="1" noResize="1" noEditPoints="1" noAdjustHandles="1" noChangeArrowheads="1" noChangeShapeType="1" noTextEdit="1"/>
+              </p:cNvSpPr>
+              <p:nvPr>
+                <p:ph idx="1"/>
+              </p:nvPr>
+            </p:nvSpPr>
+            <p:spPr>
+              <a:xfrm>
+                <a:off x="0" y="1412088"/>
+                <a:ext cx="5750257" cy="5445912"/>
+              </a:xfrm>
+              <a:blipFill>
+                <a:blip r:embed="rId2"/>
+                <a:stretch>
+                  <a:fillRect l="-530"/>
+                </a:stretch>
+              </a:blipFill>
+            </p:spPr>
+            <p:txBody>
+              <a:bodyPr/>
+              <a:lstStyle/>
+              <a:p>
+                <a:r>
+                  <a:rPr lang="en-US">
+                    <a:noFill/>
+                  </a:rPr>
+                  <a:t> </a:t>
+                </a:r>
+              </a:p>
+            </p:txBody>
+          </p:sp>
+        </mc:Fallback>
+      </mc:AlternateContent>
+      <p:pic>
+        <p:nvPicPr>
+          <p:cNvPr id="10" name="Picture 9"/>
+          <p:cNvPicPr>
+            <a:picLocks noChangeAspect="1"/>
+          </p:cNvPicPr>
+          <p:nvPr/>
+        </p:nvPicPr>
+        <p:blipFill>
+          <a:blip r:embed="rId3"/>
+          <a:stretch>
+            <a:fillRect/>
+          </a:stretch>
+        </p:blipFill>
+        <p:spPr>
+          <a:xfrm>
+            <a:off x="327546" y="3790223"/>
+            <a:ext cx="4859740" cy="621169"/>
+          </a:xfrm>
+          <a:prstGeom prst="rect">
+            <a:avLst/>
+          </a:prstGeom>
+        </p:spPr>
+      </p:pic>
+      <p:pic>
+        <p:nvPicPr>
+          <p:cNvPr id="11" name="Picture 10"/>
+          <p:cNvPicPr>
+            <a:picLocks noChangeAspect="1"/>
+          </p:cNvPicPr>
+          <p:nvPr/>
+        </p:nvPicPr>
+        <p:blipFill>
+          <a:blip r:embed="rId4"/>
+          <a:stretch>
+            <a:fillRect/>
+          </a:stretch>
+        </p:blipFill>
+        <p:spPr>
+          <a:xfrm>
+            <a:off x="572637" y="4230890"/>
+            <a:ext cx="5018965" cy="497950"/>
+          </a:xfrm>
+          <a:prstGeom prst="rect">
+            <a:avLst/>
+          </a:prstGeom>
+        </p:spPr>
+      </p:pic>
+      <p:sp>
+        <p:nvSpPr>
+          <p:cNvPr id="12" name="TextBox 11"/>
+          <p:cNvSpPr txBox="1"/>
+          <p:nvPr/>
+        </p:nvSpPr>
+        <p:spPr>
+          <a:xfrm>
+            <a:off x="5750257" y="4917977"/>
+            <a:ext cx="6441743" cy="1938992"/>
+          </a:xfrm>
+          <a:prstGeom prst="rect">
+            <a:avLst/>
+          </a:prstGeom>
+          <a:solidFill>
+            <a:schemeClr val="tx1"/>
+          </a:solidFill>
+          <a:ln>
+            <a:solidFill>
+              <a:schemeClr val="tx1"/>
+            </a:solidFill>
+          </a:ln>
+        </p:spPr>
+        <p:txBody>
+          <a:bodyPr wrap="square" rtlCol="0">
+            <a:spAutoFit/>
+          </a:bodyPr>
+          <a:lstStyle/>
+          <a:p>
+            <a:pPr marL="285750" indent="-285750">
+              <a:lnSpc>
+                <a:spcPct val="150000"/>
+              </a:lnSpc>
+              <a:buFont typeface="Arial" panose="020B0604020202020204" pitchFamily="34" charset="0"/>
+              <a:buChar char="•"/>
+            </a:pPr>
+            <a:r>
+              <a:rPr lang="en-US" sz="1600" dirty="0" smtClean="0">
+                <a:solidFill>
+                  <a:schemeClr val="bg1"/>
+                </a:solidFill>
+                <a:latin typeface="Cambria Math" panose="02040503050406030204" pitchFamily="18" charset="0"/>
+                <a:ea typeface="Cambria Math" panose="02040503050406030204" pitchFamily="18" charset="0"/>
+              </a:rPr>
+              <a:t>‘X’ </a:t>
+            </a:r>
+            <a:r>
+              <a:rPr lang="en-US" sz="1600" dirty="0">
+                <a:solidFill>
+                  <a:schemeClr val="bg1"/>
+                </a:solidFill>
+                <a:latin typeface="Cambria Math" panose="02040503050406030204" pitchFamily="18" charset="0"/>
+                <a:ea typeface="Cambria Math" panose="02040503050406030204" pitchFamily="18" charset="0"/>
+              </a:rPr>
+              <a:t>is the input (embedding) sequence and W</a:t>
+            </a:r>
+            <a:r>
+              <a:rPr lang="en-US" sz="1600" baseline="-25000" dirty="0">
+                <a:solidFill>
+                  <a:schemeClr val="bg1"/>
+                </a:solidFill>
+                <a:latin typeface="Cambria Math" panose="02040503050406030204" pitchFamily="18" charset="0"/>
+                <a:ea typeface="Cambria Math" panose="02040503050406030204" pitchFamily="18" charset="0"/>
+              </a:rPr>
+              <a:t>Q</a:t>
+            </a:r>
+            <a:r>
+              <a:rPr lang="en-US" sz="1600" dirty="0">
+                <a:solidFill>
+                  <a:schemeClr val="bg1"/>
+                </a:solidFill>
+                <a:latin typeface="Cambria Math" panose="02040503050406030204" pitchFamily="18" charset="0"/>
+                <a:ea typeface="Cambria Math" panose="02040503050406030204" pitchFamily="18" charset="0"/>
+              </a:rPr>
+              <a:t>, W</a:t>
+            </a:r>
+            <a:r>
+              <a:rPr lang="en-US" sz="1600" baseline="-25000" dirty="0">
+                <a:solidFill>
+                  <a:schemeClr val="bg1"/>
+                </a:solidFill>
+                <a:latin typeface="Cambria Math" panose="02040503050406030204" pitchFamily="18" charset="0"/>
+                <a:ea typeface="Cambria Math" panose="02040503050406030204" pitchFamily="18" charset="0"/>
+              </a:rPr>
+              <a:t>K,</a:t>
+            </a:r>
+            <a:r>
+              <a:rPr lang="en-US" sz="1600" dirty="0">
+                <a:solidFill>
+                  <a:schemeClr val="bg1"/>
+                </a:solidFill>
+                <a:latin typeface="Cambria Math" panose="02040503050406030204" pitchFamily="18" charset="0"/>
+                <a:ea typeface="Cambria Math" panose="02040503050406030204" pitchFamily="18" charset="0"/>
+              </a:rPr>
+              <a:t> and W</a:t>
+            </a:r>
+            <a:r>
+              <a:rPr lang="en-US" sz="1600" baseline="-25000" dirty="0">
+                <a:solidFill>
+                  <a:schemeClr val="bg1"/>
+                </a:solidFill>
+                <a:latin typeface="Cambria Math" panose="02040503050406030204" pitchFamily="18" charset="0"/>
+                <a:ea typeface="Cambria Math" panose="02040503050406030204" pitchFamily="18" charset="0"/>
+              </a:rPr>
+              <a:t>V</a:t>
+            </a:r>
+            <a:r>
+              <a:rPr lang="en-US" sz="1600" dirty="0">
+                <a:solidFill>
+                  <a:schemeClr val="bg1"/>
+                </a:solidFill>
+                <a:latin typeface="Cambria Math" panose="02040503050406030204" pitchFamily="18" charset="0"/>
+                <a:ea typeface="Cambria Math" panose="02040503050406030204" pitchFamily="18" charset="0"/>
+              </a:rPr>
+              <a:t> are learnable weights for, Q(query), K(key), and V(value), respectively</a:t>
+            </a:r>
+            <a:endParaRPr lang="en-US" sz="1400" dirty="0" smtClean="0">
+              <a:solidFill>
+                <a:schemeClr val="bg1"/>
+              </a:solidFill>
+              <a:latin typeface="Cambria Math" panose="02040503050406030204" pitchFamily="18" charset="0"/>
+              <a:ea typeface="Cambria Math" panose="02040503050406030204" pitchFamily="18" charset="0"/>
+            </a:endParaRPr>
+          </a:p>
+          <a:p>
+            <a:pPr marL="285750" indent="-285750">
+              <a:lnSpc>
+                <a:spcPct val="150000"/>
+              </a:lnSpc>
+              <a:buFont typeface="Arial" panose="020B0604020202020204" pitchFamily="34" charset="0"/>
+              <a:buChar char="•"/>
+            </a:pPr>
+            <a:r>
+              <a:rPr lang="en-US" sz="1600" dirty="0" smtClean="0">
+                <a:solidFill>
+                  <a:schemeClr val="bg1"/>
+                </a:solidFill>
+                <a:latin typeface="Cambria Math" panose="02040503050406030204" pitchFamily="18" charset="0"/>
+                <a:ea typeface="Cambria Math" panose="02040503050406030204" pitchFamily="18" charset="0"/>
+              </a:rPr>
+              <a:t>‘</a:t>
+            </a:r>
+            <a:r>
+              <a:rPr lang="en-US" sz="1600" i="1" dirty="0" smtClean="0">
+                <a:solidFill>
+                  <a:schemeClr val="bg1"/>
+                </a:solidFill>
+                <a:latin typeface="Cambria Math" panose="02040503050406030204" pitchFamily="18" charset="0"/>
+                <a:ea typeface="Cambria Math" panose="02040503050406030204" pitchFamily="18" charset="0"/>
+              </a:rPr>
+              <a:t>h </a:t>
+            </a:r>
+            <a:r>
+              <a:rPr lang="en-US" sz="1600" dirty="0" smtClean="0">
+                <a:solidFill>
+                  <a:schemeClr val="bg1"/>
+                </a:solidFill>
+                <a:latin typeface="Cambria Math" panose="02040503050406030204" pitchFamily="18" charset="0"/>
+                <a:ea typeface="Cambria Math" panose="02040503050406030204" pitchFamily="18" charset="0"/>
+              </a:rPr>
+              <a:t>’ is the number of attention heads.</a:t>
+            </a:r>
+          </a:p>
+          <a:p>
+            <a:pPr marL="285750" indent="-285750">
+              <a:lnSpc>
+                <a:spcPct val="150000"/>
+              </a:lnSpc>
+              <a:buFont typeface="Arial" panose="020B0604020202020204" pitchFamily="34" charset="0"/>
+              <a:buChar char="•"/>
+            </a:pPr>
+            <a:r>
+              <a:rPr lang="en-US" sz="1600" i="1" dirty="0" err="1">
+                <a:solidFill>
+                  <a:schemeClr val="bg1"/>
+                </a:solidFill>
+                <a:latin typeface="Cambria Math" panose="02040503050406030204" pitchFamily="18" charset="0"/>
+                <a:ea typeface="Cambria Math" panose="02040503050406030204" pitchFamily="18" charset="0"/>
+              </a:rPr>
+              <a:t>d</a:t>
+            </a:r>
+            <a:r>
+              <a:rPr lang="en-US" sz="1600" i="1" baseline="-25000" dirty="0" err="1" smtClean="0">
+                <a:solidFill>
+                  <a:schemeClr val="bg1"/>
+                </a:solidFill>
+                <a:latin typeface="Cambria Math" panose="02040503050406030204" pitchFamily="18" charset="0"/>
+                <a:ea typeface="Cambria Math" panose="02040503050406030204" pitchFamily="18" charset="0"/>
+              </a:rPr>
+              <a:t>k</a:t>
+            </a:r>
+            <a:r>
+              <a:rPr lang="en-US" sz="1600" i="1" dirty="0" smtClean="0">
+                <a:solidFill>
+                  <a:schemeClr val="bg1"/>
+                </a:solidFill>
+                <a:latin typeface="Cambria Math" panose="02040503050406030204" pitchFamily="18" charset="0"/>
+                <a:ea typeface="Cambria Math" panose="02040503050406030204" pitchFamily="18" charset="0"/>
+              </a:rPr>
+              <a:t> = d</a:t>
+            </a:r>
+            <a:r>
+              <a:rPr lang="en-US" sz="1600" i="1" baseline="-25000" dirty="0" smtClean="0">
+                <a:solidFill>
+                  <a:schemeClr val="bg1"/>
+                </a:solidFill>
+                <a:latin typeface="Cambria Math" panose="02040503050406030204" pitchFamily="18" charset="0"/>
+                <a:ea typeface="Cambria Math" panose="02040503050406030204" pitchFamily="18" charset="0"/>
+              </a:rPr>
+              <a:t>v </a:t>
+            </a:r>
+            <a:r>
+              <a:rPr lang="en-US" sz="1600" i="1" dirty="0" smtClean="0">
+                <a:solidFill>
+                  <a:schemeClr val="bg1"/>
+                </a:solidFill>
+                <a:latin typeface="Cambria Math" panose="02040503050406030204" pitchFamily="18" charset="0"/>
+                <a:ea typeface="Cambria Math" panose="02040503050406030204" pitchFamily="18" charset="0"/>
+              </a:rPr>
+              <a:t>= </a:t>
+            </a:r>
+            <a:r>
+              <a:rPr lang="en-US" sz="1600" i="1" dirty="0" err="1" smtClean="0">
+                <a:solidFill>
+                  <a:schemeClr val="bg1"/>
+                </a:solidFill>
+                <a:latin typeface="Cambria Math" panose="02040503050406030204" pitchFamily="18" charset="0"/>
+                <a:ea typeface="Cambria Math" panose="02040503050406030204" pitchFamily="18" charset="0"/>
+              </a:rPr>
+              <a:t>d</a:t>
+            </a:r>
+            <a:r>
+              <a:rPr lang="en-US" sz="1600" i="1" baseline="-25000" dirty="0" err="1" smtClean="0">
+                <a:solidFill>
+                  <a:schemeClr val="bg1"/>
+                </a:solidFill>
+                <a:latin typeface="Cambria Math" panose="02040503050406030204" pitchFamily="18" charset="0"/>
+                <a:ea typeface="Cambria Math" panose="02040503050406030204" pitchFamily="18" charset="0"/>
+              </a:rPr>
+              <a:t>model</a:t>
+            </a:r>
+            <a:r>
+              <a:rPr lang="en-US" sz="1600" i="1" dirty="0" smtClean="0">
+                <a:solidFill>
+                  <a:schemeClr val="bg1"/>
+                </a:solidFill>
+                <a:latin typeface="Cambria Math" panose="02040503050406030204" pitchFamily="18" charset="0"/>
+                <a:ea typeface="Cambria Math" panose="02040503050406030204" pitchFamily="18" charset="0"/>
+              </a:rPr>
+              <a:t>/h .</a:t>
+            </a:r>
+            <a:r>
+              <a:rPr lang="en-US" sz="1600" dirty="0" smtClean="0">
+                <a:solidFill>
+                  <a:schemeClr val="bg1"/>
+                </a:solidFill>
+                <a:latin typeface="Cambria Math" panose="02040503050406030204" pitchFamily="18" charset="0"/>
+                <a:ea typeface="Cambria Math" panose="02040503050406030204" pitchFamily="18" charset="0"/>
+              </a:rPr>
+              <a:t> The </a:t>
+            </a:r>
+            <a:r>
+              <a:rPr lang="en-US" sz="1600" i="1" dirty="0" err="1" smtClean="0">
+                <a:solidFill>
+                  <a:schemeClr val="bg1"/>
+                </a:solidFill>
+                <a:latin typeface="Cambria Math" panose="02040503050406030204" pitchFamily="18" charset="0"/>
+                <a:ea typeface="Cambria Math" panose="02040503050406030204" pitchFamily="18" charset="0"/>
+              </a:rPr>
+              <a:t>d</a:t>
+            </a:r>
+            <a:r>
+              <a:rPr lang="en-US" sz="1600" i="1" baseline="-25000" dirty="0" err="1" smtClean="0">
+                <a:solidFill>
+                  <a:schemeClr val="bg1"/>
+                </a:solidFill>
+                <a:latin typeface="Cambria Math" panose="02040503050406030204" pitchFamily="18" charset="0"/>
+                <a:ea typeface="Cambria Math" panose="02040503050406030204" pitchFamily="18" charset="0"/>
+              </a:rPr>
+              <a:t>model</a:t>
+            </a:r>
+            <a:r>
+              <a:rPr lang="en-US" sz="1600" i="1" dirty="0" smtClean="0">
+                <a:solidFill>
+                  <a:schemeClr val="bg1"/>
+                </a:solidFill>
+                <a:latin typeface="Cambria Math" panose="02040503050406030204" pitchFamily="18" charset="0"/>
+                <a:ea typeface="Cambria Math" panose="02040503050406030204" pitchFamily="18" charset="0"/>
+              </a:rPr>
+              <a:t> </a:t>
+            </a:r>
+            <a:r>
+              <a:rPr lang="en-US" sz="1600" dirty="0" smtClean="0">
+                <a:solidFill>
+                  <a:schemeClr val="bg1"/>
+                </a:solidFill>
+                <a:latin typeface="Cambria Math" panose="02040503050406030204" pitchFamily="18" charset="0"/>
+                <a:ea typeface="Cambria Math" panose="02040503050406030204" pitchFamily="18" charset="0"/>
+              </a:rPr>
+              <a:t>is a vector returned by the encoder/decoder block.</a:t>
+            </a:r>
+          </a:p>
+        </p:txBody>
+      </p:sp>
+      <p:pic>
+        <p:nvPicPr>
+          <p:cNvPr id="13" name="Picture 12"/>
+          <p:cNvPicPr>
+            <a:picLocks noChangeAspect="1"/>
+          </p:cNvPicPr>
+          <p:nvPr/>
+        </p:nvPicPr>
+        <p:blipFill>
+          <a:blip r:embed="rId5">
+            <a:extLst>
+              <a:ext uri="{28A0092B-C50C-407E-A947-70E740481C1C}">
+                <a14:useLocalDpi xmlns:a14="http://schemas.microsoft.com/office/drawing/2010/main" val="0"/>
+              </a:ext>
+            </a:extLst>
+          </a:blip>
+          <a:stretch>
+            <a:fillRect/>
+          </a:stretch>
+        </p:blipFill>
+        <p:spPr>
+          <a:xfrm>
+            <a:off x="5750257" y="1412088"/>
+            <a:ext cx="6431388" cy="3504858"/>
+          </a:xfrm>
+          <a:prstGeom prst="rect">
+            <a:avLst/>
+          </a:prstGeom>
+        </p:spPr>
+      </p:pic>
+      <p:sp>
+        <p:nvSpPr>
+          <p:cNvPr id="15" name="Title 1"/>
           <p:cNvSpPr>
             <a:spLocks noGrp="1"/>
           </p:cNvSpPr>
@@ -7332,6 +11062,10 @@
           </p:nvPr>
         </p:nvSpPr>
         <p:spPr>
+          <a:xfrm>
+            <a:off x="3082119" y="118545"/>
+            <a:ext cx="8610600" cy="1293028"/>
+          </a:xfrm>
           <a:ln>
             <a:noFill/>
           </a:ln>
@@ -7372,7 +11106,7 @@
                 <a:ea typeface="Calibri" panose="020F0502020204030204" pitchFamily="34" charset="0"/>
                 <a:cs typeface="Calibri" panose="020F0502020204030204" pitchFamily="34" charset="0"/>
               </a:rPr>
-              <a:t>Why Sentiment Analysis of Nepali Texts?</a:t>
+              <a:t>Attention Mechanism</a:t>
             </a:r>
             <a:endParaRPr lang="en-US" cap="none" dirty="0">
               <a:latin typeface="Calibri" panose="020F0502020204030204" pitchFamily="34" charset="0"/>
@@ -7382,42 +11116,112 @@
           </a:p>
         </p:txBody>
       </p:sp>
-      <p:sp>
-        <p:nvSpPr>
-          <p:cNvPr id="3" name="Content Placeholder 2"/>
-          <p:cNvSpPr>
-            <a:spLocks noGrp="1"/>
-          </p:cNvSpPr>
-          <p:nvPr>
-            <p:ph idx="1"/>
-          </p:nvPr>
-        </p:nvSpPr>
-        <p:spPr/>
-        <p:txBody>
-          <a:bodyPr/>
-          <a:lstStyle/>
-          <a:p>
-            <a:endParaRPr lang="en-US" dirty="0"/>
-          </a:p>
-        </p:txBody>
-      </p:sp>
+      <p:pic>
+        <p:nvPicPr>
+          <p:cNvPr id="16" name="Picture 15"/>
+          <p:cNvPicPr>
+            <a:picLocks noChangeAspect="1"/>
+          </p:cNvPicPr>
+          <p:nvPr/>
+        </p:nvPicPr>
+        <p:blipFill>
+          <a:blip r:embed="rId6"/>
+          <a:stretch>
+            <a:fillRect/>
+          </a:stretch>
+        </p:blipFill>
+        <p:spPr>
+          <a:xfrm>
+            <a:off x="572637" y="5169507"/>
+            <a:ext cx="1558071" cy="333104"/>
+          </a:xfrm>
+          <a:prstGeom prst="rect">
+            <a:avLst/>
+          </a:prstGeom>
+        </p:spPr>
+      </p:pic>
+      <p:pic>
+        <p:nvPicPr>
+          <p:cNvPr id="17" name="Picture 16"/>
+          <p:cNvPicPr>
+            <a:picLocks noChangeAspect="1"/>
+          </p:cNvPicPr>
+          <p:nvPr/>
+        </p:nvPicPr>
+        <p:blipFill>
+          <a:blip r:embed="rId7"/>
+          <a:stretch>
+            <a:fillRect/>
+          </a:stretch>
+        </p:blipFill>
+        <p:spPr>
+          <a:xfrm>
+            <a:off x="554996" y="5571084"/>
+            <a:ext cx="1593352" cy="346623"/>
+          </a:xfrm>
+          <a:prstGeom prst="rect">
+            <a:avLst/>
+          </a:prstGeom>
+        </p:spPr>
+      </p:pic>
+      <p:pic>
+        <p:nvPicPr>
+          <p:cNvPr id="18" name="Picture 17"/>
+          <p:cNvPicPr>
+            <a:picLocks noChangeAspect="1"/>
+          </p:cNvPicPr>
+          <p:nvPr/>
+        </p:nvPicPr>
+        <p:blipFill>
+          <a:blip r:embed="rId8"/>
+          <a:stretch>
+            <a:fillRect/>
+          </a:stretch>
+        </p:blipFill>
+        <p:spPr>
+          <a:xfrm>
+            <a:off x="572637" y="6344855"/>
+            <a:ext cx="1557527" cy="327900"/>
+          </a:xfrm>
+          <a:prstGeom prst="rect">
+            <a:avLst/>
+          </a:prstGeom>
+        </p:spPr>
+      </p:pic>
+      <p:pic>
+        <p:nvPicPr>
+          <p:cNvPr id="19" name="Picture 18"/>
+          <p:cNvPicPr>
+            <a:picLocks noChangeAspect="1"/>
+          </p:cNvPicPr>
+          <p:nvPr/>
+        </p:nvPicPr>
+        <p:blipFill>
+          <a:blip r:embed="rId9"/>
+          <a:stretch>
+            <a:fillRect/>
+          </a:stretch>
+        </p:blipFill>
+        <p:spPr>
+          <a:xfrm>
+            <a:off x="572637" y="5912218"/>
+            <a:ext cx="1520712" cy="389019"/>
+          </a:xfrm>
+          <a:prstGeom prst="rect">
+            <a:avLst/>
+          </a:prstGeom>
+        </p:spPr>
+      </p:pic>
     </p:spTree>
     <p:extLst>
       <p:ext uri="{BB962C8B-B14F-4D97-AF65-F5344CB8AC3E}">
-        <p14:creationId xmlns:p14="http://schemas.microsoft.com/office/powerpoint/2010/main" val="4084301021"/>
+        <p14:creationId xmlns:p14="http://schemas.microsoft.com/office/powerpoint/2010/main" val="4041839130"/>
       </p:ext>
     </p:extLst>
   </p:cSld>
   <p:clrMapOvr>
     <a:masterClrMapping/>
   </p:clrMapOvr>
-  <p:timing>
-    <p:tnLst>
-      <p:par>
-        <p:cTn id="1" dur="indefinite" restart="never" nodeType="tmRoot"/>
-      </p:par>
-    </p:tnLst>
-  </p:timing>
 </p:sld>
 </file>
 
